--- a/W9D3/GAN.pptx
+++ b/W9D3/GAN.pptx
@@ -7,23 +7,19 @@
   <p:sldIdLst>
     <p:sldId id="256" r:id="rId2"/>
     <p:sldId id="257" r:id="rId3"/>
-    <p:sldId id="258" r:id="rId4"/>
-    <p:sldId id="259" r:id="rId5"/>
-    <p:sldId id="260" r:id="rId6"/>
-    <p:sldId id="261" r:id="rId7"/>
-    <p:sldId id="262" r:id="rId8"/>
-    <p:sldId id="263" r:id="rId9"/>
-    <p:sldId id="264" r:id="rId10"/>
-    <p:sldId id="265" r:id="rId11"/>
-    <p:sldId id="266" r:id="rId12"/>
-    <p:sldId id="267" r:id="rId13"/>
-    <p:sldId id="268" r:id="rId14"/>
-    <p:sldId id="269" r:id="rId15"/>
-    <p:sldId id="270" r:id="rId16"/>
-    <p:sldId id="271" r:id="rId17"/>
-    <p:sldId id="272" r:id="rId18"/>
-    <p:sldId id="273" r:id="rId19"/>
-    <p:sldId id="274" r:id="rId20"/>
+    <p:sldId id="275" r:id="rId4"/>
+    <p:sldId id="276" r:id="rId5"/>
+    <p:sldId id="277" r:id="rId6"/>
+    <p:sldId id="278" r:id="rId7"/>
+    <p:sldId id="263" r:id="rId8"/>
+    <p:sldId id="268" r:id="rId9"/>
+    <p:sldId id="279" r:id="rId10"/>
+    <p:sldId id="270" r:id="rId11"/>
+    <p:sldId id="269" r:id="rId12"/>
+    <p:sldId id="271" r:id="rId13"/>
+    <p:sldId id="272" r:id="rId14"/>
+    <p:sldId id="273" r:id="rId15"/>
+    <p:sldId id="274" r:id="rId16"/>
   </p:sldIdLst>
   <p:sldSz cx="12192000" cy="6858000"/>
   <p:notesSz cx="6858000" cy="9144000"/>
@@ -122,6 +118,11 @@
       </a:defRPr>
     </a:lvl9pPr>
   </p:defaultTextStyle>
+  <p:extLst>
+    <p:ext uri="{EFAFB233-063F-42B5-8137-9DF3F51BA10A}">
+      <p15:sldGuideLst xmlns:p15="http://schemas.microsoft.com/office/powerpoint/2012/main"/>
+    </p:ext>
+  </p:extLst>
 </p:presentation>
 </file>
 
@@ -274,7 +275,7 @@
           <a:p>
             <a:fld id="{FE2CC6E0-C39F-49FB-9A9A-65011F587007}" type="datetimeFigureOut">
               <a:rPr lang="en-IN" smtClean="0"/>
-              <a:t>15-09-2020</a:t>
+              <a:t>03-03-2021</a:t>
             </a:fld>
             <a:endParaRPr lang="en-IN"/>
           </a:p>
@@ -474,7 +475,7 @@
           <a:p>
             <a:fld id="{FE2CC6E0-C39F-49FB-9A9A-65011F587007}" type="datetimeFigureOut">
               <a:rPr lang="en-IN" smtClean="0"/>
-              <a:t>15-09-2020</a:t>
+              <a:t>03-03-2021</a:t>
             </a:fld>
             <a:endParaRPr lang="en-IN"/>
           </a:p>
@@ -684,7 +685,7 @@
           <a:p>
             <a:fld id="{FE2CC6E0-C39F-49FB-9A9A-65011F587007}" type="datetimeFigureOut">
               <a:rPr lang="en-IN" smtClean="0"/>
-              <a:t>15-09-2020</a:t>
+              <a:t>03-03-2021</a:t>
             </a:fld>
             <a:endParaRPr lang="en-IN"/>
           </a:p>
@@ -884,7 +885,7 @@
           <a:p>
             <a:fld id="{FE2CC6E0-C39F-49FB-9A9A-65011F587007}" type="datetimeFigureOut">
               <a:rPr lang="en-IN" smtClean="0"/>
-              <a:t>15-09-2020</a:t>
+              <a:t>03-03-2021</a:t>
             </a:fld>
             <a:endParaRPr lang="en-IN"/>
           </a:p>
@@ -1160,7 +1161,7 @@
           <a:p>
             <a:fld id="{FE2CC6E0-C39F-49FB-9A9A-65011F587007}" type="datetimeFigureOut">
               <a:rPr lang="en-IN" smtClean="0"/>
-              <a:t>15-09-2020</a:t>
+              <a:t>03-03-2021</a:t>
             </a:fld>
             <a:endParaRPr lang="en-IN"/>
           </a:p>
@@ -1428,7 +1429,7 @@
           <a:p>
             <a:fld id="{FE2CC6E0-C39F-49FB-9A9A-65011F587007}" type="datetimeFigureOut">
               <a:rPr lang="en-IN" smtClean="0"/>
-              <a:t>15-09-2020</a:t>
+              <a:t>03-03-2021</a:t>
             </a:fld>
             <a:endParaRPr lang="en-IN"/>
           </a:p>
@@ -1843,7 +1844,7 @@
           <a:p>
             <a:fld id="{FE2CC6E0-C39F-49FB-9A9A-65011F587007}" type="datetimeFigureOut">
               <a:rPr lang="en-IN" smtClean="0"/>
-              <a:t>15-09-2020</a:t>
+              <a:t>03-03-2021</a:t>
             </a:fld>
             <a:endParaRPr lang="en-IN"/>
           </a:p>
@@ -1985,7 +1986,7 @@
           <a:p>
             <a:fld id="{FE2CC6E0-C39F-49FB-9A9A-65011F587007}" type="datetimeFigureOut">
               <a:rPr lang="en-IN" smtClean="0"/>
-              <a:t>15-09-2020</a:t>
+              <a:t>03-03-2021</a:t>
             </a:fld>
             <a:endParaRPr lang="en-IN"/>
           </a:p>
@@ -2098,7 +2099,7 @@
           <a:p>
             <a:fld id="{FE2CC6E0-C39F-49FB-9A9A-65011F587007}" type="datetimeFigureOut">
               <a:rPr lang="en-IN" smtClean="0"/>
-              <a:t>15-09-2020</a:t>
+              <a:t>03-03-2021</a:t>
             </a:fld>
             <a:endParaRPr lang="en-IN"/>
           </a:p>
@@ -2411,7 +2412,7 @@
           <a:p>
             <a:fld id="{FE2CC6E0-C39F-49FB-9A9A-65011F587007}" type="datetimeFigureOut">
               <a:rPr lang="en-IN" smtClean="0"/>
-              <a:t>15-09-2020</a:t>
+              <a:t>03-03-2021</a:t>
             </a:fld>
             <a:endParaRPr lang="en-IN"/>
           </a:p>
@@ -2700,7 +2701,7 @@
           <a:p>
             <a:fld id="{FE2CC6E0-C39F-49FB-9A9A-65011F587007}" type="datetimeFigureOut">
               <a:rPr lang="en-IN" smtClean="0"/>
-              <a:t>15-09-2020</a:t>
+              <a:t>03-03-2021</a:t>
             </a:fld>
             <a:endParaRPr lang="en-IN"/>
           </a:p>
@@ -2943,7 +2944,7 @@
           <a:p>
             <a:fld id="{FE2CC6E0-C39F-49FB-9A9A-65011F587007}" type="datetimeFigureOut">
               <a:rPr lang="en-IN" smtClean="0"/>
-              <a:t>15-09-2020</a:t>
+              <a:t>03-03-2021</a:t>
             </a:fld>
             <a:endParaRPr lang="en-IN"/>
           </a:p>
@@ -3461,7 +3462,7 @@
           <p:cNvPr id="2" name="Title 1">
             <a:extLst>
               <a:ext uri="{FF2B5EF4-FFF2-40B4-BE49-F238E27FC236}">
-                <a16:creationId xmlns:a16="http://schemas.microsoft.com/office/drawing/2014/main" id="{5AB60BA2-3349-4B96-BBA3-618D2C429899}"/>
+                <a16:creationId xmlns:a16="http://schemas.microsoft.com/office/drawing/2014/main" id="{2895D7D4-AE42-4274-B1E3-5A9184596CC0}"/>
               </a:ext>
             </a:extLst>
           </p:cNvPr>
@@ -3474,8 +3475,8 @@
         </p:nvSpPr>
         <p:spPr>
           <a:xfrm>
-            <a:off x="838200" y="365126"/>
-            <a:ext cx="10515600" cy="755752"/>
+            <a:off x="838200" y="365125"/>
+            <a:ext cx="10515600" cy="1080217"/>
           </a:xfrm>
         </p:spPr>
         <p:txBody>
@@ -3484,7 +3485,7 @@
           <a:p>
             <a:r>
               <a:rPr lang="en-IN" dirty="0"/>
-              <a:t>Generator Cost Function and Algorithm</a:t>
+              <a:t>DCGAN overall structure</a:t>
             </a:r>
           </a:p>
         </p:txBody>
@@ -3494,7 +3495,7 @@
           <p:cNvPr id="4" name="Picture 3">
             <a:extLst>
               <a:ext uri="{FF2B5EF4-FFF2-40B4-BE49-F238E27FC236}">
-                <a16:creationId xmlns:a16="http://schemas.microsoft.com/office/drawing/2014/main" id="{EE99AB56-58A0-4857-999D-9A9230140370}"/>
+                <a16:creationId xmlns:a16="http://schemas.microsoft.com/office/drawing/2014/main" id="{41E9612C-43A5-48D7-AA4A-28A2D65953B8}"/>
               </a:ext>
             </a:extLst>
           </p:cNvPr>
@@ -3511,83 +3512,18 @@
         </p:blipFill>
         <p:spPr>
           <a:xfrm>
-            <a:off x="747098" y="1400175"/>
-            <a:ext cx="5152258" cy="4057650"/>
+            <a:off x="725896" y="2242984"/>
+            <a:ext cx="9953625" cy="3886200"/>
           </a:xfrm>
           <a:prstGeom prst="rect">
             <a:avLst/>
           </a:prstGeom>
         </p:spPr>
       </p:pic>
-      <p:pic>
-        <p:nvPicPr>
-          <p:cNvPr id="5" name="Picture 4">
-            <a:extLst>
-              <a:ext uri="{FF2B5EF4-FFF2-40B4-BE49-F238E27FC236}">
-                <a16:creationId xmlns:a16="http://schemas.microsoft.com/office/drawing/2014/main" id="{225C5292-119B-40BF-B9EA-01487CAD2157}"/>
-              </a:ext>
-            </a:extLst>
-          </p:cNvPr>
-          <p:cNvPicPr>
-            <a:picLocks noChangeAspect="1"/>
-          </p:cNvPicPr>
-          <p:nvPr/>
-        </p:nvPicPr>
-        <p:blipFill>
-          <a:blip r:embed="rId3"/>
-          <a:stretch>
-            <a:fillRect/>
-          </a:stretch>
-        </p:blipFill>
-        <p:spPr>
-          <a:xfrm>
-            <a:off x="5997677" y="1273892"/>
-            <a:ext cx="6016881" cy="3543300"/>
-          </a:xfrm>
-          <a:prstGeom prst="rect">
-            <a:avLst/>
-          </a:prstGeom>
-        </p:spPr>
-      </p:pic>
-      <p:sp>
-        <p:nvSpPr>
-          <p:cNvPr id="7" name="TextBox 6">
-            <a:extLst>
-              <a:ext uri="{FF2B5EF4-FFF2-40B4-BE49-F238E27FC236}">
-                <a16:creationId xmlns:a16="http://schemas.microsoft.com/office/drawing/2014/main" id="{170957D0-8CC6-417F-A353-FE798B51DED1}"/>
-              </a:ext>
-            </a:extLst>
-          </p:cNvPr>
-          <p:cNvSpPr txBox="1"/>
-          <p:nvPr/>
-        </p:nvSpPr>
-        <p:spPr>
-          <a:xfrm>
-            <a:off x="2172928" y="4953140"/>
-            <a:ext cx="2566219" cy="646331"/>
-          </a:xfrm>
-          <a:prstGeom prst="rect">
-            <a:avLst/>
-          </a:prstGeom>
-          <a:noFill/>
-        </p:spPr>
-        <p:txBody>
-          <a:bodyPr wrap="square" rtlCol="0">
-            <a:spAutoFit/>
-          </a:bodyPr>
-          <a:lstStyle/>
-          <a:p>
-            <a:r>
-              <a:rPr lang="en-IN" dirty="0"/>
-              <a:t>Source: Udemy-Lazy Programmer</a:t>
-            </a:r>
-          </a:p>
-        </p:txBody>
-      </p:sp>
     </p:spTree>
     <p:extLst>
       <p:ext uri="{BB962C8B-B14F-4D97-AF65-F5344CB8AC3E}">
-        <p14:creationId xmlns:p14="http://schemas.microsoft.com/office/powerpoint/2010/main" val="2430884644"/>
+        <p14:creationId xmlns:p14="http://schemas.microsoft.com/office/powerpoint/2010/main" val="602690339"/>
       </p:ext>
     </p:extLst>
   </p:cSld>
@@ -3619,7 +3555,7 @@
           <p:cNvPr id="2" name="Title 1">
             <a:extLst>
               <a:ext uri="{FF2B5EF4-FFF2-40B4-BE49-F238E27FC236}">
-                <a16:creationId xmlns:a16="http://schemas.microsoft.com/office/drawing/2014/main" id="{80E9928B-EDCA-4740-97ED-0F991C704B75}"/>
+                <a16:creationId xmlns:a16="http://schemas.microsoft.com/office/drawing/2014/main" id="{D8271072-3FF9-4A17-9D9B-212CF406A4C8}"/>
               </a:ext>
             </a:extLst>
           </p:cNvPr>
@@ -3630,33 +3566,98 @@
             <p:ph type="title"/>
           </p:nvPr>
         </p:nvSpPr>
-        <p:spPr/>
-        <p:txBody>
-          <a:bodyPr/>
+        <p:spPr>
+          <a:xfrm>
+            <a:off x="838200" y="365126"/>
+            <a:ext cx="10515600" cy="657430"/>
+          </a:xfrm>
+        </p:spPr>
+        <p:txBody>
+          <a:bodyPr>
+            <a:normAutofit fontScale="90000"/>
+          </a:bodyPr>
           <a:lstStyle/>
           <a:p>
             <a:r>
               <a:rPr lang="en-IN" dirty="0"/>
-              <a:t>Correcting cost function for Generator</a:t>
-            </a:r>
+              <a:t>DCGAN</a:t>
+            </a:r>
+          </a:p>
+        </p:txBody>
+      </p:sp>
+      <p:sp>
+        <p:nvSpPr>
+          <p:cNvPr id="3" name="Content Placeholder 2">
+            <a:extLst>
+              <a:ext uri="{FF2B5EF4-FFF2-40B4-BE49-F238E27FC236}">
+                <a16:creationId xmlns:a16="http://schemas.microsoft.com/office/drawing/2014/main" id="{4955F758-8395-4630-95B5-31D49A803EE6}"/>
+              </a:ext>
+            </a:extLst>
+          </p:cNvPr>
+          <p:cNvSpPr>
+            <a:spLocks noGrp="1"/>
+          </p:cNvSpPr>
+          <p:nvPr>
+            <p:ph idx="1"/>
+          </p:nvPr>
+        </p:nvSpPr>
+        <p:spPr>
+          <a:xfrm>
+            <a:off x="838200" y="943897"/>
+            <a:ext cx="10515600" cy="2485103"/>
+          </a:xfrm>
+        </p:spPr>
+        <p:txBody>
+          <a:bodyPr>
+            <a:normAutofit fontScale="92500" lnSpcReduction="10000"/>
+          </a:bodyPr>
+          <a:lstStyle/>
+          <a:p>
+            <a:r>
+              <a:rPr lang="en-IN" dirty="0" err="1"/>
+              <a:t>A.k.a</a:t>
+            </a:r>
+            <a:r>
+              <a:rPr lang="en-IN" dirty="0"/>
+              <a:t> Deep Convolutional GAN.</a:t>
+            </a:r>
+          </a:p>
+          <a:p>
+            <a:r>
+              <a:rPr lang="en-IN" dirty="0"/>
+              <a:t>Uses batch normalization which means normalizing the data at every layer in a Neural Network.</a:t>
+            </a:r>
+          </a:p>
+          <a:p>
+            <a:r>
+              <a:rPr lang="en-IN" dirty="0"/>
+              <a:t>DCGAN follows a style of Neural Network called All Convolutional Network.</a:t>
+            </a:r>
+          </a:p>
+          <a:p>
+            <a:r>
+              <a:rPr lang="en-IN" dirty="0"/>
+              <a:t>This Network does not uses pooling layer to reduce dimensions. Instead just uses bigger stride of 2.</a:t>
+            </a:r>
+          </a:p>
+          <a:p>
+            <a:endParaRPr lang="en-IN" dirty="0"/>
           </a:p>
         </p:txBody>
       </p:sp>
       <p:pic>
         <p:nvPicPr>
-          <p:cNvPr id="4" name="Content Placeholder 3">
-            <a:extLst>
-              <a:ext uri="{FF2B5EF4-FFF2-40B4-BE49-F238E27FC236}">
-                <a16:creationId xmlns:a16="http://schemas.microsoft.com/office/drawing/2014/main" id="{69994E30-B9D0-4C62-96BC-56EF737068B6}"/>
+          <p:cNvPr id="4" name="Picture 3">
+            <a:extLst>
+              <a:ext uri="{FF2B5EF4-FFF2-40B4-BE49-F238E27FC236}">
+                <a16:creationId xmlns:a16="http://schemas.microsoft.com/office/drawing/2014/main" id="{81D1D02D-F42C-4B58-9113-A4C8B62B2C67}"/>
               </a:ext>
             </a:extLst>
           </p:cNvPr>
           <p:cNvPicPr>
-            <a:picLocks noGrp="1" noChangeAspect="1"/>
+            <a:picLocks noChangeAspect="1"/>
           </p:cNvPicPr>
-          <p:nvPr>
-            <p:ph idx="1"/>
-          </p:nvPr>
+          <p:nvPr/>
         </p:nvPicPr>
         <p:blipFill>
           <a:blip r:embed="rId2"/>
@@ -3666,83 +3667,18 @@
         </p:blipFill>
         <p:spPr>
           <a:xfrm>
-            <a:off x="908715" y="1325844"/>
-            <a:ext cx="4961143" cy="3286125"/>
+            <a:off x="730045" y="3523514"/>
+            <a:ext cx="6185258" cy="3298804"/>
           </a:xfrm>
           <a:prstGeom prst="rect">
             <a:avLst/>
           </a:prstGeom>
         </p:spPr>
       </p:pic>
-      <p:pic>
-        <p:nvPicPr>
-          <p:cNvPr id="5" name="Picture 4">
-            <a:extLst>
-              <a:ext uri="{FF2B5EF4-FFF2-40B4-BE49-F238E27FC236}">
-                <a16:creationId xmlns:a16="http://schemas.microsoft.com/office/drawing/2014/main" id="{4993E361-471E-48CE-93B3-B29169CBCA6B}"/>
-              </a:ext>
-            </a:extLst>
-          </p:cNvPr>
-          <p:cNvPicPr>
-            <a:picLocks noChangeAspect="1"/>
-          </p:cNvPicPr>
-          <p:nvPr/>
-        </p:nvPicPr>
-        <p:blipFill>
-          <a:blip r:embed="rId3"/>
-          <a:stretch>
-            <a:fillRect/>
-          </a:stretch>
-        </p:blipFill>
-        <p:spPr>
-          <a:xfrm>
-            <a:off x="5869858" y="1430593"/>
-            <a:ext cx="5993529" cy="3286125"/>
-          </a:xfrm>
-          <a:prstGeom prst="rect">
-            <a:avLst/>
-          </a:prstGeom>
-        </p:spPr>
-      </p:pic>
-      <p:sp>
-        <p:nvSpPr>
-          <p:cNvPr id="7" name="TextBox 6">
-            <a:extLst>
-              <a:ext uri="{FF2B5EF4-FFF2-40B4-BE49-F238E27FC236}">
-                <a16:creationId xmlns:a16="http://schemas.microsoft.com/office/drawing/2014/main" id="{A79EB6A8-4EF5-46F1-B40A-08C340C3B98D}"/>
-              </a:ext>
-            </a:extLst>
-          </p:cNvPr>
-          <p:cNvSpPr txBox="1"/>
-          <p:nvPr/>
-        </p:nvSpPr>
-        <p:spPr>
-          <a:xfrm>
-            <a:off x="4586748" y="5847184"/>
-            <a:ext cx="2566219" cy="646331"/>
-          </a:xfrm>
-          <a:prstGeom prst="rect">
-            <a:avLst/>
-          </a:prstGeom>
-          <a:noFill/>
-        </p:spPr>
-        <p:txBody>
-          <a:bodyPr wrap="square" rtlCol="0">
-            <a:spAutoFit/>
-          </a:bodyPr>
-          <a:lstStyle/>
-          <a:p>
-            <a:r>
-              <a:rPr lang="en-IN" dirty="0"/>
-              <a:t>Source: Udemy-Lazy Programmer</a:t>
-            </a:r>
-          </a:p>
-        </p:txBody>
-      </p:sp>
     </p:spTree>
     <p:extLst>
       <p:ext uri="{BB962C8B-B14F-4D97-AF65-F5344CB8AC3E}">
-        <p14:creationId xmlns:p14="http://schemas.microsoft.com/office/powerpoint/2010/main" val="4206937961"/>
+        <p14:creationId xmlns:p14="http://schemas.microsoft.com/office/powerpoint/2010/main" val="4168134446"/>
       </p:ext>
     </p:extLst>
   </p:cSld>
@@ -3774,7 +3710,7 @@
           <p:cNvPr id="2" name="Title 1">
             <a:extLst>
               <a:ext uri="{FF2B5EF4-FFF2-40B4-BE49-F238E27FC236}">
-                <a16:creationId xmlns:a16="http://schemas.microsoft.com/office/drawing/2014/main" id="{1A8C33A3-1566-479F-9408-812F3FBDD687}"/>
+                <a16:creationId xmlns:a16="http://schemas.microsoft.com/office/drawing/2014/main" id="{DD393702-D31A-4ED4-A8DE-62A15C3C3359}"/>
               </a:ext>
             </a:extLst>
           </p:cNvPr>
@@ -3792,8 +3728,70 @@
           <a:p>
             <a:r>
               <a:rPr lang="en-IN" dirty="0"/>
-              <a:t>New Generator Cost</a:t>
-            </a:r>
+              <a:t>Batch Normalization 1</a:t>
+            </a:r>
+          </a:p>
+        </p:txBody>
+      </p:sp>
+      <p:sp>
+        <p:nvSpPr>
+          <p:cNvPr id="3" name="Content Placeholder 2">
+            <a:extLst>
+              <a:ext uri="{FF2B5EF4-FFF2-40B4-BE49-F238E27FC236}">
+                <a16:creationId xmlns:a16="http://schemas.microsoft.com/office/drawing/2014/main" id="{B4E375C3-EC5D-4F21-B02F-685D35A94CF8}"/>
+              </a:ext>
+            </a:extLst>
+          </p:cNvPr>
+          <p:cNvSpPr>
+            <a:spLocks noGrp="1"/>
+          </p:cNvSpPr>
+          <p:nvPr>
+            <p:ph idx="1"/>
+          </p:nvPr>
+        </p:nvSpPr>
+        <p:spPr>
+          <a:xfrm>
+            <a:off x="838200" y="1825625"/>
+            <a:ext cx="4235245" cy="4351338"/>
+          </a:xfrm>
+        </p:spPr>
+        <p:txBody>
+          <a:bodyPr/>
+          <a:lstStyle/>
+          <a:p>
+            <a:r>
+              <a:rPr lang="en-IN" dirty="0"/>
+              <a:t>Batch normalization happens as follows:</a:t>
+            </a:r>
+          </a:p>
+          <a:p>
+            <a:r>
+              <a:rPr lang="en-IN" dirty="0"/>
+              <a:t>First-</a:t>
+            </a:r>
+            <a:r>
+              <a:rPr lang="en-IN" dirty="0">
+                <a:sym typeface="Wingdings" panose="05000000000000000000" pitchFamily="2" charset="2"/>
+              </a:rPr>
+              <a:t> weights*X + bias</a:t>
+            </a:r>
+          </a:p>
+          <a:p>
+            <a:r>
+              <a:rPr lang="en-IN" dirty="0">
+                <a:sym typeface="Wingdings" panose="05000000000000000000" pitchFamily="2" charset="2"/>
+              </a:rPr>
+              <a:t>Second  Batch Normalization</a:t>
+            </a:r>
+          </a:p>
+          <a:p>
+            <a:r>
+              <a:rPr lang="en-IN" dirty="0">
+                <a:sym typeface="Wingdings" panose="05000000000000000000" pitchFamily="2" charset="2"/>
+              </a:rPr>
+              <a:t>Third  activation function</a:t>
+            </a:r>
+            <a:endParaRPr lang="en-IN" dirty="0"/>
           </a:p>
         </p:txBody>
       </p:sp>
@@ -3802,7 +3800,7 @@
           <p:cNvPr id="4" name="Picture 3">
             <a:extLst>
               <a:ext uri="{FF2B5EF4-FFF2-40B4-BE49-F238E27FC236}">
-                <a16:creationId xmlns:a16="http://schemas.microsoft.com/office/drawing/2014/main" id="{6CDE75BC-B138-42DB-9F9A-4F704E43BE3C}"/>
+                <a16:creationId xmlns:a16="http://schemas.microsoft.com/office/drawing/2014/main" id="{A737733B-C1CA-4814-BE2B-B35F5E8F2E01}"/>
               </a:ext>
             </a:extLst>
           </p:cNvPr>
@@ -3819,116 +3817,18 @@
         </p:blipFill>
         <p:spPr>
           <a:xfrm>
-            <a:off x="671205" y="1833562"/>
-            <a:ext cx="7172325" cy="2581275"/>
+            <a:off x="5318791" y="1825625"/>
+            <a:ext cx="6035009" cy="3886200"/>
           </a:xfrm>
           <a:prstGeom prst="rect">
             <a:avLst/>
           </a:prstGeom>
         </p:spPr>
       </p:pic>
-      <p:sp>
-        <p:nvSpPr>
-          <p:cNvPr id="6" name="TextBox 5">
-            <a:extLst>
-              <a:ext uri="{FF2B5EF4-FFF2-40B4-BE49-F238E27FC236}">
-                <a16:creationId xmlns:a16="http://schemas.microsoft.com/office/drawing/2014/main" id="{9A8CCA9A-50DA-4EBC-8F50-2827540A6809}"/>
-              </a:ext>
-            </a:extLst>
-          </p:cNvPr>
-          <p:cNvSpPr txBox="1"/>
-          <p:nvPr/>
-        </p:nvSpPr>
-        <p:spPr>
-          <a:xfrm>
-            <a:off x="2403987" y="4804965"/>
-            <a:ext cx="2566219" cy="646331"/>
-          </a:xfrm>
-          <a:prstGeom prst="rect">
-            <a:avLst/>
-          </a:prstGeom>
-          <a:noFill/>
-        </p:spPr>
-        <p:txBody>
-          <a:bodyPr wrap="square" rtlCol="0">
-            <a:spAutoFit/>
-          </a:bodyPr>
-          <a:lstStyle/>
-          <a:p>
-            <a:r>
-              <a:rPr lang="en-IN" dirty="0"/>
-              <a:t>Source: Udemy-Lazy Programmer</a:t>
-            </a:r>
-          </a:p>
-        </p:txBody>
-      </p:sp>
-      <p:sp>
-        <p:nvSpPr>
-          <p:cNvPr id="7" name="TextBox 6">
-            <a:extLst>
-              <a:ext uri="{FF2B5EF4-FFF2-40B4-BE49-F238E27FC236}">
-                <a16:creationId xmlns:a16="http://schemas.microsoft.com/office/drawing/2014/main" id="{4036FC8F-0295-46C3-A395-8DFB63E8C591}"/>
-              </a:ext>
-            </a:extLst>
-          </p:cNvPr>
-          <p:cNvSpPr txBox="1"/>
-          <p:nvPr/>
-        </p:nvSpPr>
-        <p:spPr>
-          <a:xfrm>
-            <a:off x="8504903" y="1833562"/>
-            <a:ext cx="2848897" cy="2308324"/>
-          </a:xfrm>
-          <a:prstGeom prst="rect">
-            <a:avLst/>
-          </a:prstGeom>
-          <a:noFill/>
-        </p:spPr>
-        <p:txBody>
-          <a:bodyPr wrap="square" rtlCol="0">
-            <a:spAutoFit/>
-          </a:bodyPr>
-          <a:lstStyle/>
-          <a:p>
-            <a:pPr marL="285750" indent="-285750">
-              <a:buFont typeface="Arial" panose="020B0604020202020204" pitchFamily="34" charset="0"/>
-              <a:buChar char="•"/>
-            </a:pPr>
-            <a:r>
-              <a:rPr lang="en-IN" dirty="0"/>
-              <a:t>The two cost are not opposites anymore and have a zero sum.</a:t>
-            </a:r>
-          </a:p>
-          <a:p>
-            <a:pPr marL="285750" indent="-285750">
-              <a:buFont typeface="Arial" panose="020B0604020202020204" pitchFamily="34" charset="0"/>
-              <a:buChar char="•"/>
-            </a:pPr>
-            <a:endParaRPr lang="en-IN" dirty="0"/>
-          </a:p>
-          <a:p>
-            <a:pPr marL="285750" indent="-285750">
-              <a:buFont typeface="Arial" panose="020B0604020202020204" pitchFamily="34" charset="0"/>
-              <a:buChar char="•"/>
-            </a:pPr>
-            <a:r>
-              <a:rPr lang="en-IN" dirty="0"/>
-              <a:t>This important to note as we optimize the GAN now.</a:t>
-            </a:r>
-          </a:p>
-          <a:p>
-            <a:pPr marL="285750" indent="-285750">
-              <a:buFont typeface="Arial" panose="020B0604020202020204" pitchFamily="34" charset="0"/>
-              <a:buChar char="•"/>
-            </a:pPr>
-            <a:endParaRPr lang="en-IN" dirty="0"/>
-          </a:p>
-        </p:txBody>
-      </p:sp>
     </p:spTree>
     <p:extLst>
       <p:ext uri="{BB962C8B-B14F-4D97-AF65-F5344CB8AC3E}">
-        <p14:creationId xmlns:p14="http://schemas.microsoft.com/office/powerpoint/2010/main" val="661437664"/>
+        <p14:creationId xmlns:p14="http://schemas.microsoft.com/office/powerpoint/2010/main" val="4114056152"/>
       </p:ext>
     </p:extLst>
   </p:cSld>
@@ -3960,7 +3860,7 @@
           <p:cNvPr id="2" name="Title 1">
             <a:extLst>
               <a:ext uri="{FF2B5EF4-FFF2-40B4-BE49-F238E27FC236}">
-                <a16:creationId xmlns:a16="http://schemas.microsoft.com/office/drawing/2014/main" id="{FB65A093-88BF-43B8-AB9C-113EA883FCB1}"/>
+                <a16:creationId xmlns:a16="http://schemas.microsoft.com/office/drawing/2014/main" id="{5ABD5A51-6DE0-4D65-912B-93114AF745F5}"/>
               </a:ext>
             </a:extLst>
           </p:cNvPr>
@@ -3971,75 +3871,23 @@
             <p:ph type="title"/>
           </p:nvPr>
         </p:nvSpPr>
-        <p:spPr/>
-        <p:txBody>
-          <a:bodyPr/>
-          <a:lstStyle/>
-          <a:p>
+        <p:spPr>
+          <a:xfrm>
+            <a:off x="838200" y="365126"/>
+            <a:ext cx="10515600" cy="824578"/>
+          </a:xfrm>
+        </p:spPr>
+        <p:txBody>
+          <a:bodyPr/>
+          <a:lstStyle/>
+          <a:p>
+            <a:r>
+              <a:rPr lang="en-IN" dirty="0" err="1"/>
+              <a:t>Strided</a:t>
+            </a:r>
             <a:r>
               <a:rPr lang="en-IN" dirty="0"/>
-              <a:t>Final GAN diagram</a:t>
-            </a:r>
-          </a:p>
-        </p:txBody>
-      </p:sp>
-      <p:sp>
-        <p:nvSpPr>
-          <p:cNvPr id="3" name="Content Placeholder 2">
-            <a:extLst>
-              <a:ext uri="{FF2B5EF4-FFF2-40B4-BE49-F238E27FC236}">
-                <a16:creationId xmlns:a16="http://schemas.microsoft.com/office/drawing/2014/main" id="{2B8D976B-FB09-44F4-B2EE-A3D7061C466B}"/>
-              </a:ext>
-            </a:extLst>
-          </p:cNvPr>
-          <p:cNvSpPr>
-            <a:spLocks noGrp="1"/>
-          </p:cNvSpPr>
-          <p:nvPr>
-            <p:ph idx="1"/>
-          </p:nvPr>
-        </p:nvSpPr>
-        <p:spPr>
-          <a:xfrm>
-            <a:off x="838200" y="1825625"/>
-            <a:ext cx="4136923" cy="4351338"/>
-          </a:xfrm>
-        </p:spPr>
-        <p:txBody>
-          <a:bodyPr>
-            <a:normAutofit fontScale="92500" lnSpcReduction="20000"/>
-          </a:bodyPr>
-          <a:lstStyle/>
-          <a:p>
-            <a:r>
-              <a:rPr lang="en-IN" dirty="0"/>
-              <a:t>Starting from left we have z which is a latent variable generated from a uniform distribution.</a:t>
-            </a:r>
-          </a:p>
-          <a:p>
-            <a:r>
-              <a:rPr lang="en-IN" dirty="0"/>
-              <a:t>Generator will use the distribution to generate </a:t>
-            </a:r>
-            <a:r>
-              <a:rPr lang="en-IN" dirty="0" err="1"/>
-              <a:t>x_hat</a:t>
-            </a:r>
-            <a:r>
-              <a:rPr lang="en-IN" dirty="0"/>
-              <a:t> or fake samples.</a:t>
-            </a:r>
-          </a:p>
-          <a:p>
-            <a:r>
-              <a:rPr lang="en-IN" dirty="0"/>
-              <a:t>Discriminator will be fed both real and fake images.</a:t>
-            </a:r>
-          </a:p>
-          <a:p>
-            <a:r>
-              <a:rPr lang="en-IN" dirty="0"/>
-              <a:t>Then we have cost functions which optimize both the networks respectively.</a:t>
+              <a:t> Convolution</a:t>
             </a:r>
           </a:p>
         </p:txBody>
@@ -4049,7 +3897,7 @@
           <p:cNvPr id="4" name="Picture 3">
             <a:extLst>
               <a:ext uri="{FF2B5EF4-FFF2-40B4-BE49-F238E27FC236}">
-                <a16:creationId xmlns:a16="http://schemas.microsoft.com/office/drawing/2014/main" id="{25F13A8E-5B4F-45B5-A777-8C9D257A26D0}"/>
+                <a16:creationId xmlns:a16="http://schemas.microsoft.com/office/drawing/2014/main" id="{79DE7567-4B3E-4B5F-8CDF-0DE597D222EF}"/>
               </a:ext>
             </a:extLst>
           </p:cNvPr>
@@ -4066,53 +3914,48 @@
         </p:blipFill>
         <p:spPr>
           <a:xfrm>
-            <a:off x="6017342" y="1690688"/>
-            <a:ext cx="5097564" cy="3238500"/>
+            <a:off x="838200" y="1189704"/>
+            <a:ext cx="8620432" cy="2289227"/>
           </a:xfrm>
           <a:prstGeom prst="rect">
             <a:avLst/>
           </a:prstGeom>
         </p:spPr>
       </p:pic>
-      <p:sp>
-        <p:nvSpPr>
-          <p:cNvPr id="6" name="TextBox 5">
-            <a:extLst>
-              <a:ext uri="{FF2B5EF4-FFF2-40B4-BE49-F238E27FC236}">
-                <a16:creationId xmlns:a16="http://schemas.microsoft.com/office/drawing/2014/main" id="{4A552D5B-1011-4579-B982-4AEAD3B9ED07}"/>
-              </a:ext>
-            </a:extLst>
-          </p:cNvPr>
-          <p:cNvSpPr txBox="1"/>
+      <p:pic>
+        <p:nvPicPr>
+          <p:cNvPr id="5" name="Picture 4">
+            <a:extLst>
+              <a:ext uri="{FF2B5EF4-FFF2-40B4-BE49-F238E27FC236}">
+                <a16:creationId xmlns:a16="http://schemas.microsoft.com/office/drawing/2014/main" id="{254CF8D6-1CCB-4530-A74A-97D9869E35DD}"/>
+              </a:ext>
+            </a:extLst>
+          </p:cNvPr>
+          <p:cNvPicPr>
+            <a:picLocks noChangeAspect="1"/>
+          </p:cNvPicPr>
           <p:nvPr/>
-        </p:nvSpPr>
-        <p:spPr>
-          <a:xfrm>
-            <a:off x="7385025" y="4929188"/>
-            <a:ext cx="2566219" cy="646331"/>
+        </p:nvPicPr>
+        <p:blipFill>
+          <a:blip r:embed="rId3"/>
+          <a:stretch>
+            <a:fillRect/>
+          </a:stretch>
+        </p:blipFill>
+        <p:spPr>
+          <a:xfrm>
+            <a:off x="838200" y="3727512"/>
+            <a:ext cx="8620432" cy="2973172"/>
           </a:xfrm>
           <a:prstGeom prst="rect">
             <a:avLst/>
           </a:prstGeom>
-          <a:noFill/>
-        </p:spPr>
-        <p:txBody>
-          <a:bodyPr wrap="square" rtlCol="0">
-            <a:spAutoFit/>
-          </a:bodyPr>
-          <a:lstStyle/>
-          <a:p>
-            <a:r>
-              <a:rPr lang="en-IN" dirty="0"/>
-              <a:t>Source: Udemy-Lazy Programmer</a:t>
-            </a:r>
-          </a:p>
-        </p:txBody>
-      </p:sp>
+        </p:spPr>
+      </p:pic>
     </p:spTree>
     <p:extLst>
       <p:ext uri="{BB962C8B-B14F-4D97-AF65-F5344CB8AC3E}">
-        <p14:creationId xmlns:p14="http://schemas.microsoft.com/office/powerpoint/2010/main" val="3757748457"/>
+        <p14:creationId xmlns:p14="http://schemas.microsoft.com/office/powerpoint/2010/main" val="2480536560"/>
       </p:ext>
     </p:extLst>
   </p:cSld>
@@ -4144,531 +3987,6 @@
           <p:cNvPr id="2" name="Title 1">
             <a:extLst>
               <a:ext uri="{FF2B5EF4-FFF2-40B4-BE49-F238E27FC236}">
-                <a16:creationId xmlns:a16="http://schemas.microsoft.com/office/drawing/2014/main" id="{D8271072-3FF9-4A17-9D9B-212CF406A4C8}"/>
-              </a:ext>
-            </a:extLst>
-          </p:cNvPr>
-          <p:cNvSpPr>
-            <a:spLocks noGrp="1"/>
-          </p:cNvSpPr>
-          <p:nvPr>
-            <p:ph type="title"/>
-          </p:nvPr>
-        </p:nvSpPr>
-        <p:spPr>
-          <a:xfrm>
-            <a:off x="838200" y="365126"/>
-            <a:ext cx="10515600" cy="657430"/>
-          </a:xfrm>
-        </p:spPr>
-        <p:txBody>
-          <a:bodyPr>
-            <a:normAutofit fontScale="90000"/>
-          </a:bodyPr>
-          <a:lstStyle/>
-          <a:p>
-            <a:r>
-              <a:rPr lang="en-IN" dirty="0"/>
-              <a:t>DCGAN</a:t>
-            </a:r>
-          </a:p>
-        </p:txBody>
-      </p:sp>
-      <p:sp>
-        <p:nvSpPr>
-          <p:cNvPr id="3" name="Content Placeholder 2">
-            <a:extLst>
-              <a:ext uri="{FF2B5EF4-FFF2-40B4-BE49-F238E27FC236}">
-                <a16:creationId xmlns:a16="http://schemas.microsoft.com/office/drawing/2014/main" id="{4955F758-8395-4630-95B5-31D49A803EE6}"/>
-              </a:ext>
-            </a:extLst>
-          </p:cNvPr>
-          <p:cNvSpPr>
-            <a:spLocks noGrp="1"/>
-          </p:cNvSpPr>
-          <p:nvPr>
-            <p:ph idx="1"/>
-          </p:nvPr>
-        </p:nvSpPr>
-        <p:spPr>
-          <a:xfrm>
-            <a:off x="838200" y="943897"/>
-            <a:ext cx="10515600" cy="2485103"/>
-          </a:xfrm>
-        </p:spPr>
-        <p:txBody>
-          <a:bodyPr>
-            <a:normAutofit fontScale="92500" lnSpcReduction="10000"/>
-          </a:bodyPr>
-          <a:lstStyle/>
-          <a:p>
-            <a:r>
-              <a:rPr lang="en-IN" dirty="0" err="1"/>
-              <a:t>A.k.a</a:t>
-            </a:r>
-            <a:r>
-              <a:rPr lang="en-IN" dirty="0"/>
-              <a:t> Deep Convolutional GAN.</a:t>
-            </a:r>
-          </a:p>
-          <a:p>
-            <a:r>
-              <a:rPr lang="en-IN" dirty="0"/>
-              <a:t>Uses batch normalization which means normalizing the data at every layer in a Neural Network.</a:t>
-            </a:r>
-          </a:p>
-          <a:p>
-            <a:r>
-              <a:rPr lang="en-IN" dirty="0"/>
-              <a:t>DCGAN follows a style of Neural Network called All Convolutional Network.</a:t>
-            </a:r>
-          </a:p>
-          <a:p>
-            <a:r>
-              <a:rPr lang="en-IN" dirty="0"/>
-              <a:t>This Network does not uses pooling layer to reduce dimensions. Instead just uses bigger stride of 2.</a:t>
-            </a:r>
-          </a:p>
-          <a:p>
-            <a:endParaRPr lang="en-IN" dirty="0"/>
-          </a:p>
-        </p:txBody>
-      </p:sp>
-      <p:pic>
-        <p:nvPicPr>
-          <p:cNvPr id="4" name="Picture 3">
-            <a:extLst>
-              <a:ext uri="{FF2B5EF4-FFF2-40B4-BE49-F238E27FC236}">
-                <a16:creationId xmlns:a16="http://schemas.microsoft.com/office/drawing/2014/main" id="{81D1D02D-F42C-4B58-9113-A4C8B62B2C67}"/>
-              </a:ext>
-            </a:extLst>
-          </p:cNvPr>
-          <p:cNvPicPr>
-            <a:picLocks noChangeAspect="1"/>
-          </p:cNvPicPr>
-          <p:nvPr/>
-        </p:nvPicPr>
-        <p:blipFill>
-          <a:blip r:embed="rId2"/>
-          <a:stretch>
-            <a:fillRect/>
-          </a:stretch>
-        </p:blipFill>
-        <p:spPr>
-          <a:xfrm>
-            <a:off x="730045" y="3523514"/>
-            <a:ext cx="6185258" cy="3298804"/>
-          </a:xfrm>
-          <a:prstGeom prst="rect">
-            <a:avLst/>
-          </a:prstGeom>
-        </p:spPr>
-      </p:pic>
-    </p:spTree>
-    <p:extLst>
-      <p:ext uri="{BB962C8B-B14F-4D97-AF65-F5344CB8AC3E}">
-        <p14:creationId xmlns:p14="http://schemas.microsoft.com/office/powerpoint/2010/main" val="4168134446"/>
-      </p:ext>
-    </p:extLst>
-  </p:cSld>
-  <p:clrMapOvr>
-    <a:masterClrMapping/>
-  </p:clrMapOvr>
-</p:sld>
-</file>
-
-<file path=ppt/slides/slide15.xml><?xml version="1.0" encoding="utf-8"?>
-<p:sld xmlns:a="http://schemas.openxmlformats.org/drawingml/2006/main" xmlns:r="http://schemas.openxmlformats.org/officeDocument/2006/relationships" xmlns:p="http://schemas.openxmlformats.org/presentationml/2006/main">
-  <p:cSld>
-    <p:spTree>
-      <p:nvGrpSpPr>
-        <p:cNvPr id="1" name=""/>
-        <p:cNvGrpSpPr/>
-        <p:nvPr/>
-      </p:nvGrpSpPr>
-      <p:grpSpPr>
-        <a:xfrm>
-          <a:off x="0" y="0"/>
-          <a:ext cx="0" cy="0"/>
-          <a:chOff x="0" y="0"/>
-          <a:chExt cx="0" cy="0"/>
-        </a:xfrm>
-      </p:grpSpPr>
-      <p:sp>
-        <p:nvSpPr>
-          <p:cNvPr id="2" name="Title 1">
-            <a:extLst>
-              <a:ext uri="{FF2B5EF4-FFF2-40B4-BE49-F238E27FC236}">
-                <a16:creationId xmlns:a16="http://schemas.microsoft.com/office/drawing/2014/main" id="{2895D7D4-AE42-4274-B1E3-5A9184596CC0}"/>
-              </a:ext>
-            </a:extLst>
-          </p:cNvPr>
-          <p:cNvSpPr>
-            <a:spLocks noGrp="1"/>
-          </p:cNvSpPr>
-          <p:nvPr>
-            <p:ph type="title"/>
-          </p:nvPr>
-        </p:nvSpPr>
-        <p:spPr>
-          <a:xfrm>
-            <a:off x="838200" y="365125"/>
-            <a:ext cx="10515600" cy="1080217"/>
-          </a:xfrm>
-        </p:spPr>
-        <p:txBody>
-          <a:bodyPr/>
-          <a:lstStyle/>
-          <a:p>
-            <a:r>
-              <a:rPr lang="en-IN" dirty="0"/>
-              <a:t>DCGAN overall structure</a:t>
-            </a:r>
-          </a:p>
-        </p:txBody>
-      </p:sp>
-      <p:pic>
-        <p:nvPicPr>
-          <p:cNvPr id="4" name="Picture 3">
-            <a:extLst>
-              <a:ext uri="{FF2B5EF4-FFF2-40B4-BE49-F238E27FC236}">
-                <a16:creationId xmlns:a16="http://schemas.microsoft.com/office/drawing/2014/main" id="{41E9612C-43A5-48D7-AA4A-28A2D65953B8}"/>
-              </a:ext>
-            </a:extLst>
-          </p:cNvPr>
-          <p:cNvPicPr>
-            <a:picLocks noChangeAspect="1"/>
-          </p:cNvPicPr>
-          <p:nvPr/>
-        </p:nvPicPr>
-        <p:blipFill>
-          <a:blip r:embed="rId2"/>
-          <a:stretch>
-            <a:fillRect/>
-          </a:stretch>
-        </p:blipFill>
-        <p:spPr>
-          <a:xfrm>
-            <a:off x="725896" y="2242984"/>
-            <a:ext cx="9953625" cy="3886200"/>
-          </a:xfrm>
-          <a:prstGeom prst="rect">
-            <a:avLst/>
-          </a:prstGeom>
-        </p:spPr>
-      </p:pic>
-    </p:spTree>
-    <p:extLst>
-      <p:ext uri="{BB962C8B-B14F-4D97-AF65-F5344CB8AC3E}">
-        <p14:creationId xmlns:p14="http://schemas.microsoft.com/office/powerpoint/2010/main" val="602690339"/>
-      </p:ext>
-    </p:extLst>
-  </p:cSld>
-  <p:clrMapOvr>
-    <a:masterClrMapping/>
-  </p:clrMapOvr>
-</p:sld>
-</file>
-
-<file path=ppt/slides/slide16.xml><?xml version="1.0" encoding="utf-8"?>
-<p:sld xmlns:a="http://schemas.openxmlformats.org/drawingml/2006/main" xmlns:r="http://schemas.openxmlformats.org/officeDocument/2006/relationships" xmlns:p="http://schemas.openxmlformats.org/presentationml/2006/main">
-  <p:cSld>
-    <p:spTree>
-      <p:nvGrpSpPr>
-        <p:cNvPr id="1" name=""/>
-        <p:cNvGrpSpPr/>
-        <p:nvPr/>
-      </p:nvGrpSpPr>
-      <p:grpSpPr>
-        <a:xfrm>
-          <a:off x="0" y="0"/>
-          <a:ext cx="0" cy="0"/>
-          <a:chOff x="0" y="0"/>
-          <a:chExt cx="0" cy="0"/>
-        </a:xfrm>
-      </p:grpSpPr>
-      <p:sp>
-        <p:nvSpPr>
-          <p:cNvPr id="2" name="Title 1">
-            <a:extLst>
-              <a:ext uri="{FF2B5EF4-FFF2-40B4-BE49-F238E27FC236}">
-                <a16:creationId xmlns:a16="http://schemas.microsoft.com/office/drawing/2014/main" id="{DD393702-D31A-4ED4-A8DE-62A15C3C3359}"/>
-              </a:ext>
-            </a:extLst>
-          </p:cNvPr>
-          <p:cNvSpPr>
-            <a:spLocks noGrp="1"/>
-          </p:cNvSpPr>
-          <p:nvPr>
-            <p:ph type="title"/>
-          </p:nvPr>
-        </p:nvSpPr>
-        <p:spPr/>
-        <p:txBody>
-          <a:bodyPr/>
-          <a:lstStyle/>
-          <a:p>
-            <a:r>
-              <a:rPr lang="en-IN" dirty="0"/>
-              <a:t>Batch Normalization 1</a:t>
-            </a:r>
-          </a:p>
-        </p:txBody>
-      </p:sp>
-      <p:sp>
-        <p:nvSpPr>
-          <p:cNvPr id="3" name="Content Placeholder 2">
-            <a:extLst>
-              <a:ext uri="{FF2B5EF4-FFF2-40B4-BE49-F238E27FC236}">
-                <a16:creationId xmlns:a16="http://schemas.microsoft.com/office/drawing/2014/main" id="{B4E375C3-EC5D-4F21-B02F-685D35A94CF8}"/>
-              </a:ext>
-            </a:extLst>
-          </p:cNvPr>
-          <p:cNvSpPr>
-            <a:spLocks noGrp="1"/>
-          </p:cNvSpPr>
-          <p:nvPr>
-            <p:ph idx="1"/>
-          </p:nvPr>
-        </p:nvSpPr>
-        <p:spPr>
-          <a:xfrm>
-            <a:off x="838200" y="1825625"/>
-            <a:ext cx="4235245" cy="4351338"/>
-          </a:xfrm>
-        </p:spPr>
-        <p:txBody>
-          <a:bodyPr/>
-          <a:lstStyle/>
-          <a:p>
-            <a:r>
-              <a:rPr lang="en-IN" dirty="0"/>
-              <a:t>Batch normalization happens as follows:</a:t>
-            </a:r>
-          </a:p>
-          <a:p>
-            <a:r>
-              <a:rPr lang="en-IN" dirty="0"/>
-              <a:t>First-</a:t>
-            </a:r>
-            <a:r>
-              <a:rPr lang="en-IN" dirty="0">
-                <a:sym typeface="Wingdings" panose="05000000000000000000" pitchFamily="2" charset="2"/>
-              </a:rPr>
-              <a:t> weights*X + bias</a:t>
-            </a:r>
-          </a:p>
-          <a:p>
-            <a:r>
-              <a:rPr lang="en-IN" dirty="0">
-                <a:sym typeface="Wingdings" panose="05000000000000000000" pitchFamily="2" charset="2"/>
-              </a:rPr>
-              <a:t>Second  Batch Normalization</a:t>
-            </a:r>
-          </a:p>
-          <a:p>
-            <a:r>
-              <a:rPr lang="en-IN" dirty="0">
-                <a:sym typeface="Wingdings" panose="05000000000000000000" pitchFamily="2" charset="2"/>
-              </a:rPr>
-              <a:t>Third  activation function</a:t>
-            </a:r>
-            <a:endParaRPr lang="en-IN" dirty="0"/>
-          </a:p>
-        </p:txBody>
-      </p:sp>
-      <p:pic>
-        <p:nvPicPr>
-          <p:cNvPr id="4" name="Picture 3">
-            <a:extLst>
-              <a:ext uri="{FF2B5EF4-FFF2-40B4-BE49-F238E27FC236}">
-                <a16:creationId xmlns:a16="http://schemas.microsoft.com/office/drawing/2014/main" id="{A737733B-C1CA-4814-BE2B-B35F5E8F2E01}"/>
-              </a:ext>
-            </a:extLst>
-          </p:cNvPr>
-          <p:cNvPicPr>
-            <a:picLocks noChangeAspect="1"/>
-          </p:cNvPicPr>
-          <p:nvPr/>
-        </p:nvPicPr>
-        <p:blipFill>
-          <a:blip r:embed="rId2"/>
-          <a:stretch>
-            <a:fillRect/>
-          </a:stretch>
-        </p:blipFill>
-        <p:spPr>
-          <a:xfrm>
-            <a:off x="5318791" y="1825625"/>
-            <a:ext cx="6035009" cy="3886200"/>
-          </a:xfrm>
-          <a:prstGeom prst="rect">
-            <a:avLst/>
-          </a:prstGeom>
-        </p:spPr>
-      </p:pic>
-    </p:spTree>
-    <p:extLst>
-      <p:ext uri="{BB962C8B-B14F-4D97-AF65-F5344CB8AC3E}">
-        <p14:creationId xmlns:p14="http://schemas.microsoft.com/office/powerpoint/2010/main" val="4114056152"/>
-      </p:ext>
-    </p:extLst>
-  </p:cSld>
-  <p:clrMapOvr>
-    <a:masterClrMapping/>
-  </p:clrMapOvr>
-</p:sld>
-</file>
-
-<file path=ppt/slides/slide17.xml><?xml version="1.0" encoding="utf-8"?>
-<p:sld xmlns:a="http://schemas.openxmlformats.org/drawingml/2006/main" xmlns:r="http://schemas.openxmlformats.org/officeDocument/2006/relationships" xmlns:p="http://schemas.openxmlformats.org/presentationml/2006/main">
-  <p:cSld>
-    <p:spTree>
-      <p:nvGrpSpPr>
-        <p:cNvPr id="1" name=""/>
-        <p:cNvGrpSpPr/>
-        <p:nvPr/>
-      </p:nvGrpSpPr>
-      <p:grpSpPr>
-        <a:xfrm>
-          <a:off x="0" y="0"/>
-          <a:ext cx="0" cy="0"/>
-          <a:chOff x="0" y="0"/>
-          <a:chExt cx="0" cy="0"/>
-        </a:xfrm>
-      </p:grpSpPr>
-      <p:sp>
-        <p:nvSpPr>
-          <p:cNvPr id="2" name="Title 1">
-            <a:extLst>
-              <a:ext uri="{FF2B5EF4-FFF2-40B4-BE49-F238E27FC236}">
-                <a16:creationId xmlns:a16="http://schemas.microsoft.com/office/drawing/2014/main" id="{5ABD5A51-6DE0-4D65-912B-93114AF745F5}"/>
-              </a:ext>
-            </a:extLst>
-          </p:cNvPr>
-          <p:cNvSpPr>
-            <a:spLocks noGrp="1"/>
-          </p:cNvSpPr>
-          <p:nvPr>
-            <p:ph type="title"/>
-          </p:nvPr>
-        </p:nvSpPr>
-        <p:spPr>
-          <a:xfrm>
-            <a:off x="838200" y="365126"/>
-            <a:ext cx="10515600" cy="824578"/>
-          </a:xfrm>
-        </p:spPr>
-        <p:txBody>
-          <a:bodyPr/>
-          <a:lstStyle/>
-          <a:p>
-            <a:r>
-              <a:rPr lang="en-IN" dirty="0" err="1"/>
-              <a:t>Strided</a:t>
-            </a:r>
-            <a:r>
-              <a:rPr lang="en-IN" dirty="0"/>
-              <a:t> Convolution</a:t>
-            </a:r>
-          </a:p>
-        </p:txBody>
-      </p:sp>
-      <p:pic>
-        <p:nvPicPr>
-          <p:cNvPr id="4" name="Picture 3">
-            <a:extLst>
-              <a:ext uri="{FF2B5EF4-FFF2-40B4-BE49-F238E27FC236}">
-                <a16:creationId xmlns:a16="http://schemas.microsoft.com/office/drawing/2014/main" id="{79DE7567-4B3E-4B5F-8CDF-0DE597D222EF}"/>
-              </a:ext>
-            </a:extLst>
-          </p:cNvPr>
-          <p:cNvPicPr>
-            <a:picLocks noChangeAspect="1"/>
-          </p:cNvPicPr>
-          <p:nvPr/>
-        </p:nvPicPr>
-        <p:blipFill>
-          <a:blip r:embed="rId2"/>
-          <a:stretch>
-            <a:fillRect/>
-          </a:stretch>
-        </p:blipFill>
-        <p:spPr>
-          <a:xfrm>
-            <a:off x="838200" y="1189704"/>
-            <a:ext cx="8620432" cy="2289227"/>
-          </a:xfrm>
-          <a:prstGeom prst="rect">
-            <a:avLst/>
-          </a:prstGeom>
-        </p:spPr>
-      </p:pic>
-      <p:pic>
-        <p:nvPicPr>
-          <p:cNvPr id="5" name="Picture 4">
-            <a:extLst>
-              <a:ext uri="{FF2B5EF4-FFF2-40B4-BE49-F238E27FC236}">
-                <a16:creationId xmlns:a16="http://schemas.microsoft.com/office/drawing/2014/main" id="{254CF8D6-1CCB-4530-A74A-97D9869E35DD}"/>
-              </a:ext>
-            </a:extLst>
-          </p:cNvPr>
-          <p:cNvPicPr>
-            <a:picLocks noChangeAspect="1"/>
-          </p:cNvPicPr>
-          <p:nvPr/>
-        </p:nvPicPr>
-        <p:blipFill>
-          <a:blip r:embed="rId3"/>
-          <a:stretch>
-            <a:fillRect/>
-          </a:stretch>
-        </p:blipFill>
-        <p:spPr>
-          <a:xfrm>
-            <a:off x="838200" y="3727512"/>
-            <a:ext cx="8620432" cy="2973172"/>
-          </a:xfrm>
-          <a:prstGeom prst="rect">
-            <a:avLst/>
-          </a:prstGeom>
-        </p:spPr>
-      </p:pic>
-    </p:spTree>
-    <p:extLst>
-      <p:ext uri="{BB962C8B-B14F-4D97-AF65-F5344CB8AC3E}">
-        <p14:creationId xmlns:p14="http://schemas.microsoft.com/office/powerpoint/2010/main" val="2480536560"/>
-      </p:ext>
-    </p:extLst>
-  </p:cSld>
-  <p:clrMapOvr>
-    <a:masterClrMapping/>
-  </p:clrMapOvr>
-</p:sld>
-</file>
-
-<file path=ppt/slides/slide18.xml><?xml version="1.0" encoding="utf-8"?>
-<p:sld xmlns:a="http://schemas.openxmlformats.org/drawingml/2006/main" xmlns:r="http://schemas.openxmlformats.org/officeDocument/2006/relationships" xmlns:p="http://schemas.openxmlformats.org/presentationml/2006/main">
-  <p:cSld>
-    <p:spTree>
-      <p:nvGrpSpPr>
-        <p:cNvPr id="1" name=""/>
-        <p:cNvGrpSpPr/>
-        <p:nvPr/>
-      </p:nvGrpSpPr>
-      <p:grpSpPr>
-        <a:xfrm>
-          <a:off x="0" y="0"/>
-          <a:ext cx="0" cy="0"/>
-          <a:chOff x="0" y="0"/>
-          <a:chExt cx="0" cy="0"/>
-        </a:xfrm>
-      </p:grpSpPr>
-      <p:sp>
-        <p:nvSpPr>
-          <p:cNvPr id="2" name="Title 1">
-            <a:extLst>
-              <a:ext uri="{FF2B5EF4-FFF2-40B4-BE49-F238E27FC236}">
                 <a16:creationId xmlns:a16="http://schemas.microsoft.com/office/drawing/2014/main" id="{D9CEB1A1-262C-4EF8-8E83-81C5E2A844C6}"/>
               </a:ext>
             </a:extLst>
@@ -4822,7 +4140,7 @@
 </p:sld>
 </file>
 
-<file path=ppt/slides/slide19.xml><?xml version="1.0" encoding="utf-8"?>
+<file path=ppt/slides/slide15.xml><?xml version="1.0" encoding="utf-8"?>
 <p:sld xmlns:a="http://schemas.openxmlformats.org/drawingml/2006/main" xmlns:r="http://schemas.openxmlformats.org/officeDocument/2006/relationships" xmlns:p="http://schemas.openxmlformats.org/presentationml/2006/main">
   <p:cSld>
     <p:spTree>
@@ -5123,7 +4441,7 @@
           <p:cNvPr id="2" name="Title 1">
             <a:extLst>
               <a:ext uri="{FF2B5EF4-FFF2-40B4-BE49-F238E27FC236}">
-                <a16:creationId xmlns:a16="http://schemas.microsoft.com/office/drawing/2014/main" id="{723C1A6A-2688-4DD8-9798-7BFF72BA2EB0}"/>
+                <a16:creationId xmlns:a16="http://schemas.microsoft.com/office/drawing/2014/main" id="{1EB3D6CA-3A3F-40AB-A6E1-E85E2BD2A145}"/>
               </a:ext>
             </a:extLst>
           </p:cNvPr>
@@ -5136,135 +4454,124 @@
         </p:nvSpPr>
         <p:spPr>
           <a:xfrm>
-            <a:off x="838200" y="365126"/>
-            <a:ext cx="10515600" cy="873740"/>
-          </a:xfrm>
-        </p:spPr>
-        <p:txBody>
-          <a:bodyPr/>
-          <a:lstStyle/>
-          <a:p>
-            <a:r>
-              <a:rPr lang="en-IN" dirty="0"/>
-              <a:t>Auto Encoders</a:t>
-            </a:r>
-          </a:p>
-        </p:txBody>
-      </p:sp>
-      <p:sp>
-        <p:nvSpPr>
-          <p:cNvPr id="3" name="Content Placeholder 2">
-            <a:extLst>
-              <a:ext uri="{FF2B5EF4-FFF2-40B4-BE49-F238E27FC236}">
-                <a16:creationId xmlns:a16="http://schemas.microsoft.com/office/drawing/2014/main" id="{1BF66618-29E2-4CE7-9007-BF67AF58B370}"/>
-              </a:ext>
-            </a:extLst>
-          </p:cNvPr>
-          <p:cNvSpPr>
-            <a:spLocks noGrp="1"/>
-          </p:cNvSpPr>
-          <p:nvPr>
-            <p:ph idx="1"/>
-          </p:nvPr>
-        </p:nvSpPr>
-        <p:spPr>
-          <a:xfrm>
-            <a:off x="838200" y="1238866"/>
-            <a:ext cx="4932004" cy="5254008"/>
-          </a:xfrm>
-        </p:spPr>
-        <p:txBody>
-          <a:bodyPr/>
-          <a:lstStyle/>
-          <a:p>
-            <a:r>
-              <a:rPr lang="en-IN" dirty="0"/>
-              <a:t>Auto Encoder is a Neural network that encodes data onto a latent space or onto a set of latent variables.</a:t>
-            </a:r>
-          </a:p>
-          <a:p>
-            <a:r>
-              <a:rPr lang="en-IN" dirty="0"/>
-              <a:t>Now with this compressed representation of data, it can reproduce new data.</a:t>
-            </a:r>
-          </a:p>
-          <a:p>
-            <a:r>
-              <a:rPr lang="en-IN" dirty="0"/>
-              <a:t>The first part is known as the </a:t>
-            </a:r>
+            <a:off x="838200" y="365125"/>
+            <a:ext cx="10515600" cy="549275"/>
+          </a:xfrm>
+        </p:spPr>
+        <p:txBody>
+          <a:bodyPr>
+            <a:normAutofit fontScale="90000"/>
+          </a:bodyPr>
+          <a:lstStyle/>
+          <a:p>
+            <a:pPr algn="ctr"/>
             <a:r>
               <a:rPr lang="en-IN" b="1" dirty="0"/>
-              <a:t>Encoder </a:t>
-            </a:r>
-            <a:r>
-              <a:rPr lang="en-IN" dirty="0"/>
-              <a:t>and the next is known as </a:t>
-            </a:r>
-            <a:r>
-              <a:rPr lang="en-IN" b="1" dirty="0"/>
-              <a:t>Decoder.</a:t>
-            </a:r>
-          </a:p>
-          <a:p>
-            <a:endParaRPr lang="en-IN" b="1" dirty="0"/>
-          </a:p>
-          <a:p>
-            <a:endParaRPr lang="en-IN" b="1" dirty="0"/>
+              <a:t>Applications of GAN</a:t>
+            </a:r>
           </a:p>
         </p:txBody>
       </p:sp>
       <p:pic>
         <p:nvPicPr>
-          <p:cNvPr id="2050" name="Picture 2" descr="Variational Autoencoders are Beautiful | Blogs">
-            <a:extLst>
-              <a:ext uri="{FF2B5EF4-FFF2-40B4-BE49-F238E27FC236}">
-                <a16:creationId xmlns:a16="http://schemas.microsoft.com/office/drawing/2014/main" id="{9969D949-05B8-49A2-8A95-84CF9A760143}"/>
+          <p:cNvPr id="5" name="Picture 4">
+            <a:extLst>
+              <a:ext uri="{FF2B5EF4-FFF2-40B4-BE49-F238E27FC236}">
+                <a16:creationId xmlns:a16="http://schemas.microsoft.com/office/drawing/2014/main" id="{5092B8A4-766F-4FBE-9678-D4F537F9B34A}"/>
               </a:ext>
             </a:extLst>
           </p:cNvPr>
           <p:cNvPicPr>
-            <a:picLocks noChangeAspect="1" noChangeArrowheads="1"/>
+            <a:picLocks noChangeAspect="1"/>
           </p:cNvPicPr>
           <p:nvPr/>
         </p:nvPicPr>
         <p:blipFill>
-          <a:blip r:embed="rId2">
-            <a:extLst>
-              <a:ext uri="{28A0092B-C50C-407E-A947-70E740481C1C}">
-                <a14:useLocalDpi xmlns:a14="http://schemas.microsoft.com/office/drawing/2010/main" val="0"/>
-              </a:ext>
-            </a:extLst>
-          </a:blip>
-          <a:srcRect/>
+          <a:blip r:embed="rId2"/>
           <a:stretch>
             <a:fillRect/>
           </a:stretch>
         </p:blipFill>
-        <p:spPr bwMode="auto">
-          <a:xfrm>
-            <a:off x="5770204" y="1177414"/>
-            <a:ext cx="5800777" cy="4351338"/>
+        <p:spPr>
+          <a:xfrm>
+            <a:off x="280987" y="1047750"/>
+            <a:ext cx="6534151" cy="4738688"/>
+          </a:xfrm>
+          <a:prstGeom prst="rect">
+            <a:avLst/>
+          </a:prstGeom>
+        </p:spPr>
+      </p:pic>
+      <p:pic>
+        <p:nvPicPr>
+          <p:cNvPr id="7" name="Picture 6">
+            <a:extLst>
+              <a:ext uri="{FF2B5EF4-FFF2-40B4-BE49-F238E27FC236}">
+                <a16:creationId xmlns:a16="http://schemas.microsoft.com/office/drawing/2014/main" id="{D3D31B0B-0608-42D6-B435-EE1750185DDC}"/>
+              </a:ext>
+            </a:extLst>
+          </p:cNvPr>
+          <p:cNvPicPr>
+            <a:picLocks noChangeAspect="1"/>
+          </p:cNvPicPr>
+          <p:nvPr/>
+        </p:nvPicPr>
+        <p:blipFill>
+          <a:blip r:embed="rId3"/>
+          <a:stretch>
+            <a:fillRect/>
+          </a:stretch>
+        </p:blipFill>
+        <p:spPr>
+          <a:xfrm>
+            <a:off x="6981826" y="1435894"/>
+            <a:ext cx="4772025" cy="3962400"/>
+          </a:xfrm>
+          <a:prstGeom prst="rect">
+            <a:avLst/>
+          </a:prstGeom>
+        </p:spPr>
+      </p:pic>
+      <p:sp>
+        <p:nvSpPr>
+          <p:cNvPr id="8" name="TextBox 7">
+            <a:extLst>
+              <a:ext uri="{FF2B5EF4-FFF2-40B4-BE49-F238E27FC236}">
+                <a16:creationId xmlns:a16="http://schemas.microsoft.com/office/drawing/2014/main" id="{FD66D72E-BFAE-4CF7-BC29-69E82C70DD5E}"/>
+              </a:ext>
+            </a:extLst>
+          </p:cNvPr>
+          <p:cNvSpPr txBox="1"/>
+          <p:nvPr/>
+        </p:nvSpPr>
+        <p:spPr>
+          <a:xfrm>
+            <a:off x="3743325" y="6129338"/>
+            <a:ext cx="3429000" cy="369332"/>
           </a:xfrm>
           <a:prstGeom prst="rect">
             <a:avLst/>
           </a:prstGeom>
           <a:noFill/>
-          <a:extLst>
-            <a:ext uri="{909E8E84-426E-40DD-AFC4-6F175D3DCCD1}">
-              <a14:hiddenFill xmlns:a14="http://schemas.microsoft.com/office/drawing/2010/main">
-                <a:solidFill>
-                  <a:srgbClr val="FFFFFF"/>
-                </a:solidFill>
-              </a14:hiddenFill>
-            </a:ext>
-          </a:extLst>
-        </p:spPr>
-      </p:pic>
+        </p:spPr>
+        <p:txBody>
+          <a:bodyPr wrap="square" rtlCol="0">
+            <a:spAutoFit/>
+          </a:bodyPr>
+          <a:lstStyle/>
+          <a:p>
+            <a:pPr algn="ctr"/>
+            <a:r>
+              <a:rPr lang="en-IN" dirty="0"/>
+              <a:t>Source: Udacity</a:t>
+            </a:r>
+          </a:p>
+        </p:txBody>
+      </p:sp>
     </p:spTree>
     <p:extLst>
       <p:ext uri="{BB962C8B-B14F-4D97-AF65-F5344CB8AC3E}">
-        <p14:creationId xmlns:p14="http://schemas.microsoft.com/office/powerpoint/2010/main" val="2922814016"/>
+        <p14:creationId xmlns:p14="http://schemas.microsoft.com/office/powerpoint/2010/main" val="1137435972"/>
       </p:ext>
     </p:extLst>
   </p:cSld>
@@ -5296,7 +4603,7 @@
           <p:cNvPr id="2" name="Title 1">
             <a:extLst>
               <a:ext uri="{FF2B5EF4-FFF2-40B4-BE49-F238E27FC236}">
-                <a16:creationId xmlns:a16="http://schemas.microsoft.com/office/drawing/2014/main" id="{5E647085-C2F9-43D7-B4D2-524A498E8733}"/>
+                <a16:creationId xmlns:a16="http://schemas.microsoft.com/office/drawing/2014/main" id="{1EB3D6CA-3A3F-40AB-A6E1-E85E2BD2A145}"/>
               </a:ext>
             </a:extLst>
           </p:cNvPr>
@@ -5309,62 +4616,56 @@
         </p:nvSpPr>
         <p:spPr>
           <a:xfrm>
-            <a:off x="838200" y="365126"/>
-            <a:ext cx="10515600" cy="804914"/>
-          </a:xfrm>
-        </p:spPr>
-        <p:txBody>
-          <a:bodyPr/>
-          <a:lstStyle/>
-          <a:p>
+            <a:off x="838200" y="130572"/>
+            <a:ext cx="10515600" cy="549275"/>
+          </a:xfrm>
+        </p:spPr>
+        <p:txBody>
+          <a:bodyPr>
+            <a:normAutofit fontScale="90000"/>
+          </a:bodyPr>
+          <a:lstStyle/>
+          <a:p>
+            <a:pPr algn="ctr"/>
+            <a:r>
+              <a:rPr lang="en-IN" b="1" dirty="0"/>
+              <a:t>Applications of GAN</a:t>
+            </a:r>
+          </a:p>
+        </p:txBody>
+      </p:sp>
+      <p:sp>
+        <p:nvSpPr>
+          <p:cNvPr id="8" name="TextBox 7">
+            <a:extLst>
+              <a:ext uri="{FF2B5EF4-FFF2-40B4-BE49-F238E27FC236}">
+                <a16:creationId xmlns:a16="http://schemas.microsoft.com/office/drawing/2014/main" id="{FD66D72E-BFAE-4CF7-BC29-69E82C70DD5E}"/>
+              </a:ext>
+            </a:extLst>
+          </p:cNvPr>
+          <p:cNvSpPr txBox="1"/>
+          <p:nvPr/>
+        </p:nvSpPr>
+        <p:spPr>
+          <a:xfrm>
+            <a:off x="3743325" y="6542762"/>
+            <a:ext cx="3429000" cy="369332"/>
+          </a:xfrm>
+          <a:prstGeom prst="rect">
+            <a:avLst/>
+          </a:prstGeom>
+          <a:noFill/>
+        </p:spPr>
+        <p:txBody>
+          <a:bodyPr wrap="square" rtlCol="0">
+            <a:spAutoFit/>
+          </a:bodyPr>
+          <a:lstStyle/>
+          <a:p>
+            <a:pPr algn="ctr"/>
             <a:r>
               <a:rPr lang="en-IN" dirty="0"/>
-              <a:t>Use Case of Auto Encoder</a:t>
-            </a:r>
-          </a:p>
-        </p:txBody>
-      </p:sp>
-      <p:sp>
-        <p:nvSpPr>
-          <p:cNvPr id="3" name="Content Placeholder 2">
-            <a:extLst>
-              <a:ext uri="{FF2B5EF4-FFF2-40B4-BE49-F238E27FC236}">
-                <a16:creationId xmlns:a16="http://schemas.microsoft.com/office/drawing/2014/main" id="{16BE9CEC-E6AA-4DC0-955D-F90DFE1E56C3}"/>
-              </a:ext>
-            </a:extLst>
-          </p:cNvPr>
-          <p:cNvSpPr>
-            <a:spLocks noGrp="1"/>
-          </p:cNvSpPr>
-          <p:nvPr>
-            <p:ph idx="1"/>
-          </p:nvPr>
-        </p:nvSpPr>
-        <p:spPr>
-          <a:xfrm>
-            <a:off x="838200" y="1297858"/>
-            <a:ext cx="4117258" cy="4351338"/>
-          </a:xfrm>
-        </p:spPr>
-        <p:txBody>
-          <a:bodyPr/>
-          <a:lstStyle/>
-          <a:p>
-            <a:r>
-              <a:rPr lang="en-IN" dirty="0"/>
-              <a:t>As shown next to us, auto encoders can reconstruct an image and denoise it.</a:t>
-            </a:r>
-          </a:p>
-          <a:p>
-            <a:r>
-              <a:rPr lang="en-IN" dirty="0"/>
-              <a:t>This is but just one application.</a:t>
-            </a:r>
-          </a:p>
-          <a:p>
-            <a:r>
-              <a:rPr lang="en-IN" dirty="0"/>
-              <a:t>Our interest in auto-encoder is how they do this.</a:t>
+              <a:t>Source: Udacity</a:t>
             </a:r>
           </a:p>
         </p:txBody>
@@ -5374,7 +4675,7 @@
           <p:cNvPr id="4" name="Picture 3">
             <a:extLst>
               <a:ext uri="{FF2B5EF4-FFF2-40B4-BE49-F238E27FC236}">
-                <a16:creationId xmlns:a16="http://schemas.microsoft.com/office/drawing/2014/main" id="{743FA9B8-4231-4614-AA7B-726BC2B20027}"/>
+                <a16:creationId xmlns:a16="http://schemas.microsoft.com/office/drawing/2014/main" id="{D397EB8B-27B9-4CC3-BB5E-0EFE64F3A537}"/>
               </a:ext>
             </a:extLst>
           </p:cNvPr>
@@ -5391,8 +4692,68 @@
         </p:blipFill>
         <p:spPr>
           <a:xfrm>
-            <a:off x="5202471" y="1297858"/>
-            <a:ext cx="6773219" cy="4630994"/>
+            <a:off x="685800" y="872729"/>
+            <a:ext cx="4772025" cy="3000375"/>
+          </a:xfrm>
+          <a:prstGeom prst="rect">
+            <a:avLst/>
+          </a:prstGeom>
+        </p:spPr>
+      </p:pic>
+      <p:pic>
+        <p:nvPicPr>
+          <p:cNvPr id="9" name="Picture 8">
+            <a:extLst>
+              <a:ext uri="{FF2B5EF4-FFF2-40B4-BE49-F238E27FC236}">
+                <a16:creationId xmlns:a16="http://schemas.microsoft.com/office/drawing/2014/main" id="{EF20013F-B5CC-4C95-BC07-94186E43DE3F}"/>
+              </a:ext>
+            </a:extLst>
+          </p:cNvPr>
+          <p:cNvPicPr>
+            <a:picLocks noChangeAspect="1"/>
+          </p:cNvPicPr>
+          <p:nvPr/>
+        </p:nvPicPr>
+        <p:blipFill>
+          <a:blip r:embed="rId3"/>
+          <a:stretch>
+            <a:fillRect/>
+          </a:stretch>
+        </p:blipFill>
+        <p:spPr>
+          <a:xfrm>
+            <a:off x="5695950" y="883443"/>
+            <a:ext cx="4400550" cy="3181350"/>
+          </a:xfrm>
+          <a:prstGeom prst="rect">
+            <a:avLst/>
+          </a:prstGeom>
+        </p:spPr>
+      </p:pic>
+      <p:pic>
+        <p:nvPicPr>
+          <p:cNvPr id="11" name="Picture 10">
+            <a:extLst>
+              <a:ext uri="{FF2B5EF4-FFF2-40B4-BE49-F238E27FC236}">
+                <a16:creationId xmlns:a16="http://schemas.microsoft.com/office/drawing/2014/main" id="{24CE038D-3F02-48F6-AF57-C4B706BDFC29}"/>
+              </a:ext>
+            </a:extLst>
+          </p:cNvPr>
+          <p:cNvPicPr>
+            <a:picLocks noChangeAspect="1"/>
+          </p:cNvPicPr>
+          <p:nvPr/>
+        </p:nvPicPr>
+        <p:blipFill>
+          <a:blip r:embed="rId4"/>
+          <a:stretch>
+            <a:fillRect/>
+          </a:stretch>
+        </p:blipFill>
+        <p:spPr>
+          <a:xfrm>
+            <a:off x="2543175" y="4268388"/>
+            <a:ext cx="5829300" cy="2274373"/>
           </a:xfrm>
           <a:prstGeom prst="rect">
             <a:avLst/>
@@ -5402,7 +4763,7 @@
     </p:spTree>
     <p:extLst>
       <p:ext uri="{BB962C8B-B14F-4D97-AF65-F5344CB8AC3E}">
-        <p14:creationId xmlns:p14="http://schemas.microsoft.com/office/powerpoint/2010/main" val="2879801802"/>
+        <p14:creationId xmlns:p14="http://schemas.microsoft.com/office/powerpoint/2010/main" val="1232816929"/>
       </p:ext>
     </p:extLst>
   </p:cSld>
@@ -5434,7 +4795,7 @@
           <p:cNvPr id="2" name="Title 1">
             <a:extLst>
               <a:ext uri="{FF2B5EF4-FFF2-40B4-BE49-F238E27FC236}">
-                <a16:creationId xmlns:a16="http://schemas.microsoft.com/office/drawing/2014/main" id="{C3CDEAA0-3BEE-48FE-B60F-FCDE49F1CF24}"/>
+                <a16:creationId xmlns:a16="http://schemas.microsoft.com/office/drawing/2014/main" id="{1EB3D6CA-3A3F-40AB-A6E1-E85E2BD2A145}"/>
               </a:ext>
             </a:extLst>
           </p:cNvPr>
@@ -5447,66 +4808,66 @@
         </p:nvSpPr>
         <p:spPr>
           <a:xfrm>
-            <a:off x="838200" y="365126"/>
-            <a:ext cx="10515600" cy="972062"/>
-          </a:xfrm>
-        </p:spPr>
-        <p:txBody>
-          <a:bodyPr/>
-          <a:lstStyle/>
-          <a:p>
+            <a:off x="838200" y="130572"/>
+            <a:ext cx="10515600" cy="549275"/>
+          </a:xfrm>
+        </p:spPr>
+        <p:txBody>
+          <a:bodyPr>
+            <a:normAutofit fontScale="90000"/>
+          </a:bodyPr>
+          <a:lstStyle/>
+          <a:p>
+            <a:pPr algn="ctr"/>
+            <a:r>
+              <a:rPr lang="en-IN" b="1" dirty="0"/>
+              <a:t>Applications of GAN</a:t>
+            </a:r>
+          </a:p>
+        </p:txBody>
+      </p:sp>
+      <p:sp>
+        <p:nvSpPr>
+          <p:cNvPr id="8" name="TextBox 7">
+            <a:extLst>
+              <a:ext uri="{FF2B5EF4-FFF2-40B4-BE49-F238E27FC236}">
+                <a16:creationId xmlns:a16="http://schemas.microsoft.com/office/drawing/2014/main" id="{FD66D72E-BFAE-4CF7-BC29-69E82C70DD5E}"/>
+              </a:ext>
+            </a:extLst>
+          </p:cNvPr>
+          <p:cNvSpPr txBox="1"/>
+          <p:nvPr/>
+        </p:nvSpPr>
+        <p:spPr>
+          <a:xfrm>
+            <a:off x="3743325" y="6542762"/>
+            <a:ext cx="3429000" cy="369332"/>
+          </a:xfrm>
+          <a:prstGeom prst="rect">
+            <a:avLst/>
+          </a:prstGeom>
+          <a:noFill/>
+        </p:spPr>
+        <p:txBody>
+          <a:bodyPr wrap="square" rtlCol="0">
+            <a:spAutoFit/>
+          </a:bodyPr>
+          <a:lstStyle/>
+          <a:p>
+            <a:pPr algn="ctr"/>
             <a:r>
               <a:rPr lang="en-IN" dirty="0"/>
-              <a:t>Gaussian Latent Space</a:t>
-            </a:r>
-          </a:p>
-        </p:txBody>
-      </p:sp>
-      <p:sp>
-        <p:nvSpPr>
-          <p:cNvPr id="3" name="Content Placeholder 2">
-            <a:extLst>
-              <a:ext uri="{FF2B5EF4-FFF2-40B4-BE49-F238E27FC236}">
-                <a16:creationId xmlns:a16="http://schemas.microsoft.com/office/drawing/2014/main" id="{C1B9A478-F516-414C-A23F-9AC1FB017CB8}"/>
-              </a:ext>
-            </a:extLst>
-          </p:cNvPr>
-          <p:cNvSpPr>
-            <a:spLocks noGrp="1"/>
-          </p:cNvSpPr>
-          <p:nvPr>
-            <p:ph idx="1"/>
-          </p:nvPr>
-        </p:nvSpPr>
-        <p:spPr>
-          <a:xfrm>
-            <a:off x="8318090" y="1697805"/>
-            <a:ext cx="3035710" cy="4351338"/>
-          </a:xfrm>
-        </p:spPr>
-        <p:txBody>
-          <a:bodyPr/>
-          <a:lstStyle/>
-          <a:p>
-            <a:r>
-              <a:rPr lang="en-IN" dirty="0"/>
-              <a:t>Auto Encoder creates a distribution in hidden layer or latent space.</a:t>
-            </a:r>
-          </a:p>
-          <a:p>
-            <a:r>
-              <a:rPr lang="en-IN" dirty="0"/>
-              <a:t>This is used to draw samples and create new outputs.</a:t>
+              <a:t>Source: Udacity</a:t>
             </a:r>
           </a:p>
         </p:txBody>
       </p:sp>
       <p:pic>
         <p:nvPicPr>
-          <p:cNvPr id="4" name="Picture 3">
-            <a:extLst>
-              <a:ext uri="{FF2B5EF4-FFF2-40B4-BE49-F238E27FC236}">
-                <a16:creationId xmlns:a16="http://schemas.microsoft.com/office/drawing/2014/main" id="{6C100F40-B084-4DA9-94E8-2B86A0583725}"/>
+          <p:cNvPr id="5" name="Picture 4">
+            <a:extLst>
+              <a:ext uri="{FF2B5EF4-FFF2-40B4-BE49-F238E27FC236}">
+                <a16:creationId xmlns:a16="http://schemas.microsoft.com/office/drawing/2014/main" id="{32678246-659C-4D09-8DB5-8753666AB1CB}"/>
               </a:ext>
             </a:extLst>
           </p:cNvPr>
@@ -5523,50 +4884,20 @@
         </p:blipFill>
         <p:spPr>
           <a:xfrm>
-            <a:off x="838200" y="1489078"/>
-            <a:ext cx="6805612" cy="2207851"/>
+            <a:off x="247650" y="842962"/>
+            <a:ext cx="6991350" cy="4943476"/>
           </a:xfrm>
           <a:prstGeom prst="rect">
             <a:avLst/>
           </a:prstGeom>
         </p:spPr>
       </p:pic>
-      <p:pic>
-        <p:nvPicPr>
-          <p:cNvPr id="5" name="Picture 4">
-            <a:extLst>
-              <a:ext uri="{FF2B5EF4-FFF2-40B4-BE49-F238E27FC236}">
-                <a16:creationId xmlns:a16="http://schemas.microsoft.com/office/drawing/2014/main" id="{85393CFC-BE87-423B-AF54-769C0A8B95EA}"/>
-              </a:ext>
-            </a:extLst>
-          </p:cNvPr>
-          <p:cNvPicPr>
-            <a:picLocks noChangeAspect="1"/>
-          </p:cNvPicPr>
-          <p:nvPr/>
-        </p:nvPicPr>
-        <p:blipFill>
-          <a:blip r:embed="rId3"/>
-          <a:stretch>
-            <a:fillRect/>
-          </a:stretch>
-        </p:blipFill>
-        <p:spPr>
-          <a:xfrm>
-            <a:off x="838200" y="3894854"/>
-            <a:ext cx="6805612" cy="2598020"/>
-          </a:xfrm>
-          <a:prstGeom prst="rect">
-            <a:avLst/>
-          </a:prstGeom>
-        </p:spPr>
-      </p:pic>
       <p:sp>
         <p:nvSpPr>
           <p:cNvPr id="6" name="TextBox 5">
             <a:extLst>
               <a:ext uri="{FF2B5EF4-FFF2-40B4-BE49-F238E27FC236}">
-                <a16:creationId xmlns:a16="http://schemas.microsoft.com/office/drawing/2014/main" id="{2FDB7963-ADC5-4B6B-AB8D-4B23FA23FDEA}"/>
+                <a16:creationId xmlns:a16="http://schemas.microsoft.com/office/drawing/2014/main" id="{B98FEDCC-578A-4AA2-90E0-7014053D4954}"/>
               </a:ext>
             </a:extLst>
           </p:cNvPr>
@@ -5575,8 +4906,8 @@
         </p:nvSpPr>
         <p:spPr>
           <a:xfrm>
-            <a:off x="2300748" y="6211669"/>
-            <a:ext cx="2566219" cy="646331"/>
+            <a:off x="7615238" y="1028700"/>
+            <a:ext cx="4329112" cy="2585323"/>
           </a:xfrm>
           <a:prstGeom prst="rect">
             <a:avLst/>
@@ -5589,9 +4920,55 @@
           </a:bodyPr>
           <a:lstStyle/>
           <a:p>
+            <a:pPr marL="285750" indent="-285750">
+              <a:buFont typeface="Arial" panose="020B0604020202020204" pitchFamily="34" charset="0"/>
+              <a:buChar char="•"/>
+            </a:pPr>
             <a:r>
               <a:rPr lang="en-IN" dirty="0"/>
-              <a:t>Source: Udemy-Lazy Programmer</a:t>
+              <a:t>At Berkeley, </a:t>
+            </a:r>
+            <a:r>
+              <a:rPr lang="en-IN" dirty="0" err="1"/>
+              <a:t>cycleGAN</a:t>
+            </a:r>
+            <a:r>
+              <a:rPr lang="en-IN" dirty="0"/>
+              <a:t> performs unsupervised image to image transformation.</a:t>
+            </a:r>
+          </a:p>
+          <a:p>
+            <a:pPr marL="285750" indent="-285750">
+              <a:buFont typeface="Arial" panose="020B0604020202020204" pitchFamily="34" charset="0"/>
+              <a:buChar char="•"/>
+            </a:pPr>
+            <a:endParaRPr lang="en-IN" dirty="0"/>
+          </a:p>
+          <a:p>
+            <a:pPr marL="285750" indent="-285750">
+              <a:buFont typeface="Arial" panose="020B0604020202020204" pitchFamily="34" charset="0"/>
+              <a:buChar char="•"/>
+            </a:pPr>
+            <a:r>
+              <a:rPr lang="en-IN" dirty="0"/>
+              <a:t>For example it transformed video of horse to video of Zebra.</a:t>
+            </a:r>
+          </a:p>
+          <a:p>
+            <a:pPr marL="285750" indent="-285750">
+              <a:buFont typeface="Arial" panose="020B0604020202020204" pitchFamily="34" charset="0"/>
+              <a:buChar char="•"/>
+            </a:pPr>
+            <a:endParaRPr lang="en-IN" dirty="0"/>
+          </a:p>
+          <a:p>
+            <a:pPr marL="285750" indent="-285750">
+              <a:buFont typeface="Arial" panose="020B0604020202020204" pitchFamily="34" charset="0"/>
+              <a:buChar char="•"/>
+            </a:pPr>
+            <a:r>
+              <a:rPr lang="en-IN" dirty="0"/>
+              <a:t>It also incorporates grassland changes as per zebra natural habitat.</a:t>
             </a:r>
           </a:p>
         </p:txBody>
@@ -5599,7 +4976,7 @@
     </p:spTree>
     <p:extLst>
       <p:ext uri="{BB962C8B-B14F-4D97-AF65-F5344CB8AC3E}">
-        <p14:creationId xmlns:p14="http://schemas.microsoft.com/office/powerpoint/2010/main" val="3391538635"/>
+        <p14:creationId xmlns:p14="http://schemas.microsoft.com/office/powerpoint/2010/main" val="1574721372"/>
       </p:ext>
     </p:extLst>
   </p:cSld>
@@ -5631,7 +5008,7 @@
           <p:cNvPr id="2" name="Title 1">
             <a:extLst>
               <a:ext uri="{FF2B5EF4-FFF2-40B4-BE49-F238E27FC236}">
-                <a16:creationId xmlns:a16="http://schemas.microsoft.com/office/drawing/2014/main" id="{ADAB73C8-E120-4AEF-B1F0-7D76610D545A}"/>
+                <a16:creationId xmlns:a16="http://schemas.microsoft.com/office/drawing/2014/main" id="{FFD9F9F9-83B3-47E3-A5A5-F9FA7867B744}"/>
               </a:ext>
             </a:extLst>
           </p:cNvPr>
@@ -5642,24 +5019,32 @@
             <p:ph type="title"/>
           </p:nvPr>
         </p:nvSpPr>
-        <p:spPr/>
-        <p:txBody>
-          <a:bodyPr/>
-          <a:lstStyle/>
-          <a:p>
+        <p:spPr>
+          <a:xfrm>
+            <a:off x="838200" y="365125"/>
+            <a:ext cx="10515600" cy="392113"/>
+          </a:xfrm>
+        </p:spPr>
+        <p:txBody>
+          <a:bodyPr>
+            <a:normAutofit fontScale="90000"/>
+          </a:bodyPr>
+          <a:lstStyle/>
+          <a:p>
+            <a:pPr algn="ctr"/>
             <a:r>
               <a:rPr lang="en-IN" dirty="0"/>
-              <a:t>Working of Auto Encoder Decoder</a:t>
+              <a:t>GAN Architecture</a:t>
             </a:r>
           </a:p>
         </p:txBody>
       </p:sp>
       <p:pic>
         <p:nvPicPr>
-          <p:cNvPr id="4" name="Picture 3">
-            <a:extLst>
-              <a:ext uri="{FF2B5EF4-FFF2-40B4-BE49-F238E27FC236}">
-                <a16:creationId xmlns:a16="http://schemas.microsoft.com/office/drawing/2014/main" id="{283DAA5E-1F61-4D2F-A3E2-F39D9EE8DC66}"/>
+          <p:cNvPr id="5" name="Picture 4">
+            <a:extLst>
+              <a:ext uri="{FF2B5EF4-FFF2-40B4-BE49-F238E27FC236}">
+                <a16:creationId xmlns:a16="http://schemas.microsoft.com/office/drawing/2014/main" id="{08CB20DE-D131-4DC7-A46F-22FC5CEF21C9}"/>
               </a:ext>
             </a:extLst>
           </p:cNvPr>
@@ -5676,8 +5061,8 @@
         </p:blipFill>
         <p:spPr>
           <a:xfrm>
-            <a:off x="838200" y="2038881"/>
-            <a:ext cx="8210550" cy="4010025"/>
+            <a:off x="838200" y="933451"/>
+            <a:ext cx="8096250" cy="2495550"/>
           </a:xfrm>
           <a:prstGeom prst="rect">
             <a:avLst/>
@@ -5689,7 +5074,7 @@
           <p:cNvPr id="6" name="TextBox 5">
             <a:extLst>
               <a:ext uri="{FF2B5EF4-FFF2-40B4-BE49-F238E27FC236}">
-                <a16:creationId xmlns:a16="http://schemas.microsoft.com/office/drawing/2014/main" id="{A4A2BF27-C9CC-440F-96FD-D45BD4AA2B56}"/>
+                <a16:creationId xmlns:a16="http://schemas.microsoft.com/office/drawing/2014/main" id="{25110EA3-37AE-4E27-968D-86E35D51DA4E}"/>
               </a:ext>
             </a:extLst>
           </p:cNvPr>
@@ -5698,8 +5083,8 @@
         </p:nvSpPr>
         <p:spPr>
           <a:xfrm>
-            <a:off x="2377256" y="6073933"/>
-            <a:ext cx="2566219" cy="646331"/>
+            <a:off x="9144000" y="933450"/>
+            <a:ext cx="2714625" cy="5632311"/>
           </a:xfrm>
           <a:prstGeom prst="rect">
             <a:avLst/>
@@ -5712,17 +5097,106 @@
           </a:bodyPr>
           <a:lstStyle/>
           <a:p>
+            <a:pPr marL="285750" indent="-285750">
+              <a:buFont typeface="Arial" panose="020B0604020202020204" pitchFamily="34" charset="0"/>
+              <a:buChar char="•"/>
+            </a:pPr>
             <a:r>
               <a:rPr lang="en-IN" dirty="0"/>
-              <a:t>Source: Udemy-Lazy Programmer</a:t>
-            </a:r>
-          </a:p>
-        </p:txBody>
-      </p:sp>
+              <a:t>GAN use fake images generated by generator</a:t>
+            </a:r>
+          </a:p>
+          <a:p>
+            <a:pPr marL="285750" indent="-285750">
+              <a:buFont typeface="Arial" panose="020B0604020202020204" pitchFamily="34" charset="0"/>
+              <a:buChar char="•"/>
+            </a:pPr>
+            <a:endParaRPr lang="en-IN" dirty="0"/>
+          </a:p>
+          <a:p>
+            <a:pPr marL="285750" indent="-285750">
+              <a:buFont typeface="Arial" panose="020B0604020202020204" pitchFamily="34" charset="0"/>
+              <a:buChar char="•"/>
+            </a:pPr>
+            <a:r>
+              <a:rPr lang="en-IN" dirty="0" err="1"/>
+              <a:t>Discrimnator</a:t>
+            </a:r>
+            <a:r>
+              <a:rPr lang="en-IN" dirty="0"/>
+              <a:t> discriminates between real and fake images which are labelled</a:t>
+            </a:r>
+          </a:p>
+          <a:p>
+            <a:pPr marL="285750" indent="-285750">
+              <a:buFont typeface="Arial" panose="020B0604020202020204" pitchFamily="34" charset="0"/>
+              <a:buChar char="•"/>
+            </a:pPr>
+            <a:endParaRPr lang="en-IN" dirty="0"/>
+          </a:p>
+          <a:p>
+            <a:pPr marL="285750" indent="-285750">
+              <a:buFont typeface="Arial" panose="020B0604020202020204" pitchFamily="34" charset="0"/>
+              <a:buChar char="•"/>
+            </a:pPr>
+            <a:r>
+              <a:rPr lang="en-IN" dirty="0"/>
+              <a:t>Eventually Generator and Discriminator learn to create better images and distinguish between real and fake images respectively.</a:t>
+            </a:r>
+          </a:p>
+          <a:p>
+            <a:pPr marL="285750" indent="-285750">
+              <a:buFont typeface="Arial" panose="020B0604020202020204" pitchFamily="34" charset="0"/>
+              <a:buChar char="•"/>
+            </a:pPr>
+            <a:endParaRPr lang="en-IN" dirty="0"/>
+          </a:p>
+          <a:p>
+            <a:pPr marL="285750" indent="-285750">
+              <a:buFont typeface="Arial" panose="020B0604020202020204" pitchFamily="34" charset="0"/>
+              <a:buChar char="•"/>
+            </a:pPr>
+            <a:r>
+              <a:rPr lang="en-IN" dirty="0"/>
+              <a:t>Generator and Discriminator act as adversaries and thus GAN is a generative adversarial network.</a:t>
+            </a:r>
+          </a:p>
+        </p:txBody>
+      </p:sp>
+      <p:pic>
+        <p:nvPicPr>
+          <p:cNvPr id="8" name="Picture 7">
+            <a:extLst>
+              <a:ext uri="{FF2B5EF4-FFF2-40B4-BE49-F238E27FC236}">
+                <a16:creationId xmlns:a16="http://schemas.microsoft.com/office/drawing/2014/main" id="{89DB9578-74E4-4170-B838-1620BD28735A}"/>
+              </a:ext>
+            </a:extLst>
+          </p:cNvPr>
+          <p:cNvPicPr>
+            <a:picLocks noChangeAspect="1"/>
+          </p:cNvPicPr>
+          <p:nvPr/>
+        </p:nvPicPr>
+        <p:blipFill>
+          <a:blip r:embed="rId3"/>
+          <a:stretch>
+            <a:fillRect/>
+          </a:stretch>
+        </p:blipFill>
+        <p:spPr>
+          <a:xfrm>
+            <a:off x="838198" y="3605214"/>
+            <a:ext cx="8096251" cy="3895725"/>
+          </a:xfrm>
+          <a:prstGeom prst="rect">
+            <a:avLst/>
+          </a:prstGeom>
+        </p:spPr>
+      </p:pic>
     </p:spTree>
     <p:extLst>
       <p:ext uri="{BB962C8B-B14F-4D97-AF65-F5344CB8AC3E}">
-        <p14:creationId xmlns:p14="http://schemas.microsoft.com/office/powerpoint/2010/main" val="1821845637"/>
+        <p14:creationId xmlns:p14="http://schemas.microsoft.com/office/powerpoint/2010/main" val="3074249419"/>
       </p:ext>
     </p:extLst>
   </p:cSld>
@@ -5754,7 +5228,7 @@
           <p:cNvPr id="2" name="Title 1">
             <a:extLst>
               <a:ext uri="{FF2B5EF4-FFF2-40B4-BE49-F238E27FC236}">
-                <a16:creationId xmlns:a16="http://schemas.microsoft.com/office/drawing/2014/main" id="{B4B14717-1F12-4652-85BF-6F07BA807D3D}"/>
+                <a16:creationId xmlns:a16="http://schemas.microsoft.com/office/drawing/2014/main" id="{1DC27BFA-7725-4F8C-AC2A-B987EB554863}"/>
               </a:ext>
             </a:extLst>
           </p:cNvPr>
@@ -5772,7 +5246,7 @@
           <a:p>
             <a:r>
               <a:rPr lang="en-IN" dirty="0"/>
-              <a:t>Comparison with other probabilistic models</a:t>
+              <a:t>GAN Analogy</a:t>
             </a:r>
           </a:p>
         </p:txBody>
@@ -5782,7 +5256,7 @@
           <p:cNvPr id="3" name="Content Placeholder 2">
             <a:extLst>
               <a:ext uri="{FF2B5EF4-FFF2-40B4-BE49-F238E27FC236}">
-                <a16:creationId xmlns:a16="http://schemas.microsoft.com/office/drawing/2014/main" id="{E6674184-88BF-4B72-A492-874A7A977A36}"/>
+                <a16:creationId xmlns:a16="http://schemas.microsoft.com/office/drawing/2014/main" id="{93FD9758-64BD-4A31-94C6-1C7B76C1F76E}"/>
               </a:ext>
             </a:extLst>
           </p:cNvPr>
@@ -5795,37 +5269,49 @@
         </p:nvSpPr>
         <p:spPr>
           <a:xfrm>
-            <a:off x="838200" y="1825624"/>
-            <a:ext cx="5159477" cy="4496517"/>
+            <a:off x="838200" y="1582994"/>
+            <a:ext cx="4776019" cy="4593969"/>
           </a:xfrm>
         </p:spPr>
         <p:txBody>
           <a:bodyPr>
-            <a:normAutofit/>
+            <a:normAutofit fontScale="85000" lnSpcReduction="20000"/>
           </a:bodyPr>
           <a:lstStyle/>
           <a:p>
             <a:r>
               <a:rPr lang="en-IN" dirty="0"/>
-              <a:t>Restricted Boltzmann can generate samples too.</a:t>
+              <a:t>GANs can be thought of similar to a store owner and customer trying to use counterfeit notes.</a:t>
             </a:r>
           </a:p>
           <a:p>
             <a:r>
               <a:rPr lang="en-IN" dirty="0"/>
-              <a:t>But we do not know how many iterations will be good enough.</a:t>
+              <a:t>The counterfeiter learns and tries to create more realistic counterfeit notes.</a:t>
             </a:r>
           </a:p>
           <a:p>
             <a:r>
               <a:rPr lang="en-IN" dirty="0"/>
-              <a:t>However, GAN’s generate samples in a single pass.</a:t>
+              <a:t>The shopkeeper learns to discriminate between fake and real.</a:t>
             </a:r>
           </a:p>
           <a:p>
             <a:r>
               <a:rPr lang="en-IN" dirty="0"/>
-              <a:t>RBM learns a distribution over its inputs. </a:t>
+              <a:t>This is similar to discriminator and generator in a GAN.</a:t>
+            </a:r>
+          </a:p>
+          <a:p>
+            <a:r>
+              <a:rPr lang="en-IN" dirty="0"/>
+              <a:t>This process can keep going on forever.</a:t>
+            </a:r>
+          </a:p>
+          <a:p>
+            <a:r>
+              <a:rPr lang="en-IN" dirty="0"/>
+              <a:t>GANs do not use anything we haven’t already learnt.</a:t>
             </a:r>
           </a:p>
         </p:txBody>
@@ -5835,7 +5321,7 @@
           <p:cNvPr id="4" name="Picture 3">
             <a:extLst>
               <a:ext uri="{FF2B5EF4-FFF2-40B4-BE49-F238E27FC236}">
-                <a16:creationId xmlns:a16="http://schemas.microsoft.com/office/drawing/2014/main" id="{EE7B9FE0-B7F6-4F0C-878A-111AABDF1F02}"/>
+                <a16:creationId xmlns:a16="http://schemas.microsoft.com/office/drawing/2014/main" id="{29499E51-2E60-41B4-97BF-080083F527F7}"/>
               </a:ext>
             </a:extLst>
           </p:cNvPr>
@@ -5852,18 +5338,53 @@
         </p:blipFill>
         <p:spPr>
           <a:xfrm>
-            <a:off x="7590350" y="1690688"/>
-            <a:ext cx="2733675" cy="3724275"/>
+            <a:off x="6015653" y="2150883"/>
+            <a:ext cx="5338147" cy="3743325"/>
           </a:xfrm>
           <a:prstGeom prst="rect">
             <a:avLst/>
           </a:prstGeom>
         </p:spPr>
       </p:pic>
+      <p:sp>
+        <p:nvSpPr>
+          <p:cNvPr id="6" name="TextBox 5">
+            <a:extLst>
+              <a:ext uri="{FF2B5EF4-FFF2-40B4-BE49-F238E27FC236}">
+                <a16:creationId xmlns:a16="http://schemas.microsoft.com/office/drawing/2014/main" id="{B8F9D0C6-A234-4DC5-9108-64C643C243AE}"/>
+              </a:ext>
+            </a:extLst>
+          </p:cNvPr>
+          <p:cNvSpPr txBox="1"/>
+          <p:nvPr/>
+        </p:nvSpPr>
+        <p:spPr>
+          <a:xfrm>
+            <a:off x="7796981" y="6031237"/>
+            <a:ext cx="2566219" cy="646331"/>
+          </a:xfrm>
+          <a:prstGeom prst="rect">
+            <a:avLst/>
+          </a:prstGeom>
+          <a:noFill/>
+        </p:spPr>
+        <p:txBody>
+          <a:bodyPr wrap="square" rtlCol="0">
+            <a:spAutoFit/>
+          </a:bodyPr>
+          <a:lstStyle/>
+          <a:p>
+            <a:r>
+              <a:rPr lang="en-IN" dirty="0"/>
+              <a:t>Source: Udemy-Lazy Programmer</a:t>
+            </a:r>
+          </a:p>
+        </p:txBody>
+      </p:sp>
     </p:spTree>
     <p:extLst>
       <p:ext uri="{BB962C8B-B14F-4D97-AF65-F5344CB8AC3E}">
-        <p14:creationId xmlns:p14="http://schemas.microsoft.com/office/powerpoint/2010/main" val="4070771757"/>
+        <p14:creationId xmlns:p14="http://schemas.microsoft.com/office/powerpoint/2010/main" val="1169411734"/>
       </p:ext>
     </p:extLst>
   </p:cSld>
@@ -5895,7 +5416,7 @@
           <p:cNvPr id="2" name="Title 1">
             <a:extLst>
               <a:ext uri="{FF2B5EF4-FFF2-40B4-BE49-F238E27FC236}">
-                <a16:creationId xmlns:a16="http://schemas.microsoft.com/office/drawing/2014/main" id="{1DC27BFA-7725-4F8C-AC2A-B987EB554863}"/>
+                <a16:creationId xmlns:a16="http://schemas.microsoft.com/office/drawing/2014/main" id="{FB65A093-88BF-43B8-AB9C-113EA883FCB1}"/>
               </a:ext>
             </a:extLst>
           </p:cNvPr>
@@ -5913,7 +5434,7 @@
           <a:p>
             <a:r>
               <a:rPr lang="en-IN" dirty="0"/>
-              <a:t>GAN Analogy</a:t>
+              <a:t>Final GAN diagram</a:t>
             </a:r>
           </a:p>
         </p:txBody>
@@ -5923,7 +5444,7 @@
           <p:cNvPr id="3" name="Content Placeholder 2">
             <a:extLst>
               <a:ext uri="{FF2B5EF4-FFF2-40B4-BE49-F238E27FC236}">
-                <a16:creationId xmlns:a16="http://schemas.microsoft.com/office/drawing/2014/main" id="{93FD9758-64BD-4A31-94C6-1C7B76C1F76E}"/>
+                <a16:creationId xmlns:a16="http://schemas.microsoft.com/office/drawing/2014/main" id="{2B8D976B-FB09-44F4-B2EE-A3D7061C466B}"/>
               </a:ext>
             </a:extLst>
           </p:cNvPr>
@@ -5936,49 +5457,45 @@
         </p:nvSpPr>
         <p:spPr>
           <a:xfrm>
-            <a:off x="838200" y="1582994"/>
-            <a:ext cx="4776019" cy="4593969"/>
+            <a:off x="838200" y="1825625"/>
+            <a:ext cx="4136923" cy="4351338"/>
           </a:xfrm>
         </p:spPr>
         <p:txBody>
           <a:bodyPr>
-            <a:normAutofit fontScale="85000" lnSpcReduction="20000"/>
+            <a:normAutofit fontScale="92500" lnSpcReduction="20000"/>
           </a:bodyPr>
           <a:lstStyle/>
           <a:p>
             <a:r>
               <a:rPr lang="en-IN" dirty="0"/>
-              <a:t>GANs can be thought of similar to a store owner and customer trying to use counterfeit notes.</a:t>
+              <a:t>Starting from left we have z which is a latent variable generated from a uniform distribution.</a:t>
             </a:r>
           </a:p>
           <a:p>
             <a:r>
               <a:rPr lang="en-IN" dirty="0"/>
-              <a:t>The counterfeiter learns and tries to create more realistic counterfeit notes.</a:t>
-            </a:r>
-          </a:p>
-          <a:p>
+              <a:t>Generator will use the distribution to generate </a:t>
+            </a:r>
+            <a:r>
+              <a:rPr lang="en-IN" dirty="0" err="1"/>
+              <a:t>x_hat</a:t>
+            </a:r>
             <a:r>
               <a:rPr lang="en-IN" dirty="0"/>
-              <a:t>The shopkeeper learns to discriminate between fake and real.</a:t>
+              <a:t> or fake samples.</a:t>
             </a:r>
           </a:p>
           <a:p>
             <a:r>
               <a:rPr lang="en-IN" dirty="0"/>
-              <a:t>This is similar to discriminator and generator in a GAN.</a:t>
+              <a:t>Discriminator will be fed both real and fake images.</a:t>
             </a:r>
           </a:p>
           <a:p>
             <a:r>
               <a:rPr lang="en-IN" dirty="0"/>
-              <a:t>This process can keep going on forever.</a:t>
-            </a:r>
-          </a:p>
-          <a:p>
-            <a:r>
-              <a:rPr lang="en-IN" dirty="0"/>
-              <a:t>GANs do not use anything we haven’t already learnt.</a:t>
+              <a:t>Then we have cost functions which optimize both the networks respectively.</a:t>
             </a:r>
           </a:p>
         </p:txBody>
@@ -5988,7 +5505,7 @@
           <p:cNvPr id="4" name="Picture 3">
             <a:extLst>
               <a:ext uri="{FF2B5EF4-FFF2-40B4-BE49-F238E27FC236}">
-                <a16:creationId xmlns:a16="http://schemas.microsoft.com/office/drawing/2014/main" id="{29499E51-2E60-41B4-97BF-080083F527F7}"/>
+                <a16:creationId xmlns:a16="http://schemas.microsoft.com/office/drawing/2014/main" id="{25F13A8E-5B4F-45B5-A777-8C9D257A26D0}"/>
               </a:ext>
             </a:extLst>
           </p:cNvPr>
@@ -6005,8 +5522,8 @@
         </p:blipFill>
         <p:spPr>
           <a:xfrm>
-            <a:off x="6015653" y="2150883"/>
-            <a:ext cx="5338147" cy="3743325"/>
+            <a:off x="6017342" y="1690688"/>
+            <a:ext cx="5097564" cy="3238500"/>
           </a:xfrm>
           <a:prstGeom prst="rect">
             <a:avLst/>
@@ -6018,7 +5535,7 @@
           <p:cNvPr id="6" name="TextBox 5">
             <a:extLst>
               <a:ext uri="{FF2B5EF4-FFF2-40B4-BE49-F238E27FC236}">
-                <a16:creationId xmlns:a16="http://schemas.microsoft.com/office/drawing/2014/main" id="{B8F9D0C6-A234-4DC5-9108-64C643C243AE}"/>
+                <a16:creationId xmlns:a16="http://schemas.microsoft.com/office/drawing/2014/main" id="{4A552D5B-1011-4579-B982-4AEAD3B9ED07}"/>
               </a:ext>
             </a:extLst>
           </p:cNvPr>
@@ -6027,7 +5544,7 @@
         </p:nvSpPr>
         <p:spPr>
           <a:xfrm>
-            <a:off x="7796981" y="6031237"/>
+            <a:off x="7385025" y="4929188"/>
             <a:ext cx="2566219" cy="646331"/>
           </a:xfrm>
           <a:prstGeom prst="rect">
@@ -6051,7 +5568,7 @@
     </p:spTree>
     <p:extLst>
       <p:ext uri="{BB962C8B-B14F-4D97-AF65-F5344CB8AC3E}">
-        <p14:creationId xmlns:p14="http://schemas.microsoft.com/office/powerpoint/2010/main" val="1169411734"/>
+        <p14:creationId xmlns:p14="http://schemas.microsoft.com/office/powerpoint/2010/main" val="3757748457"/>
       </p:ext>
     </p:extLst>
   </p:cSld>
@@ -6078,90 +5595,12 @@
           <a:chExt cx="0" cy="0"/>
         </a:xfrm>
       </p:grpSpPr>
-      <p:sp>
-        <p:nvSpPr>
-          <p:cNvPr id="2" name="Title 1">
-            <a:extLst>
-              <a:ext uri="{FF2B5EF4-FFF2-40B4-BE49-F238E27FC236}">
-                <a16:creationId xmlns:a16="http://schemas.microsoft.com/office/drawing/2014/main" id="{29143BBC-0A44-4CB9-BAF7-2B1C0408A86E}"/>
-              </a:ext>
-            </a:extLst>
-          </p:cNvPr>
-          <p:cNvSpPr>
-            <a:spLocks noGrp="1"/>
-          </p:cNvSpPr>
-          <p:nvPr>
-            <p:ph type="title"/>
-          </p:nvPr>
-        </p:nvSpPr>
-        <p:spPr>
-          <a:xfrm>
-            <a:off x="838200" y="365126"/>
-            <a:ext cx="10515600" cy="1040888"/>
-          </a:xfrm>
-        </p:spPr>
-        <p:txBody>
-          <a:bodyPr/>
-          <a:lstStyle/>
-          <a:p>
-            <a:r>
-              <a:rPr lang="en-IN" dirty="0"/>
-              <a:t>GAN cost functions</a:t>
-            </a:r>
-          </a:p>
-        </p:txBody>
-      </p:sp>
-      <p:sp>
-        <p:nvSpPr>
-          <p:cNvPr id="3" name="Content Placeholder 2">
-            <a:extLst>
-              <a:ext uri="{FF2B5EF4-FFF2-40B4-BE49-F238E27FC236}">
-                <a16:creationId xmlns:a16="http://schemas.microsoft.com/office/drawing/2014/main" id="{E6A2F79E-BD73-41CA-BCF4-2F06F625D5F6}"/>
-              </a:ext>
-            </a:extLst>
-          </p:cNvPr>
-          <p:cNvSpPr>
-            <a:spLocks noGrp="1"/>
-          </p:cNvSpPr>
-          <p:nvPr>
-            <p:ph idx="1"/>
-          </p:nvPr>
-        </p:nvSpPr>
-        <p:spPr>
-          <a:xfrm>
-            <a:off x="838200" y="1406015"/>
-            <a:ext cx="10515600" cy="2713702"/>
-          </a:xfrm>
-        </p:spPr>
-        <p:txBody>
-          <a:bodyPr/>
-          <a:lstStyle/>
-          <a:p>
-            <a:r>
-              <a:rPr lang="en-IN" dirty="0"/>
-              <a:t>The two networks in a GAN are trying to optimize opposite things. So we can say that the 2 cost functions need to be opposites.</a:t>
-            </a:r>
-          </a:p>
-          <a:p>
-            <a:r>
-              <a:rPr lang="en-IN" dirty="0"/>
-              <a:t>We can say there are two classes that a discriminator is trying to predict. One is real sample other fake sample.</a:t>
-            </a:r>
-          </a:p>
-          <a:p>
-            <a:r>
-              <a:rPr lang="en-IN" dirty="0"/>
-              <a:t>So this is a binary classification problem and we can try to use the cross entropy loss function.</a:t>
-            </a:r>
-          </a:p>
-        </p:txBody>
-      </p:sp>
       <p:pic>
         <p:nvPicPr>
-          <p:cNvPr id="4" name="Picture 3">
-            <a:extLst>
-              <a:ext uri="{FF2B5EF4-FFF2-40B4-BE49-F238E27FC236}">
-                <a16:creationId xmlns:a16="http://schemas.microsoft.com/office/drawing/2014/main" id="{3C7A7EFD-73F9-45AB-8881-89FAB5C30D43}"/>
+          <p:cNvPr id="5" name="Picture 4">
+            <a:extLst>
+              <a:ext uri="{FF2B5EF4-FFF2-40B4-BE49-F238E27FC236}">
+                <a16:creationId xmlns:a16="http://schemas.microsoft.com/office/drawing/2014/main" id="{A84D06FC-ABC3-4C27-BB0F-A0F8FCA85E60}"/>
               </a:ext>
             </a:extLst>
           </p:cNvPr>
@@ -6178,8 +5617,8 @@
         </p:blipFill>
         <p:spPr>
           <a:xfrm>
-            <a:off x="1039455" y="4119717"/>
-            <a:ext cx="5056545" cy="2602816"/>
+            <a:off x="200025" y="378618"/>
+            <a:ext cx="5486400" cy="6100763"/>
           </a:xfrm>
           <a:prstGeom prst="rect">
             <a:avLst/>
@@ -6188,10 +5627,10 @@
       </p:pic>
       <p:pic>
         <p:nvPicPr>
-          <p:cNvPr id="5" name="Picture 4">
-            <a:extLst>
-              <a:ext uri="{FF2B5EF4-FFF2-40B4-BE49-F238E27FC236}">
-                <a16:creationId xmlns:a16="http://schemas.microsoft.com/office/drawing/2014/main" id="{CA68FDA7-6B74-40E6-A954-35F0267623C9}"/>
+          <p:cNvPr id="7" name="Picture 6">
+            <a:extLst>
+              <a:ext uri="{FF2B5EF4-FFF2-40B4-BE49-F238E27FC236}">
+                <a16:creationId xmlns:a16="http://schemas.microsoft.com/office/drawing/2014/main" id="{5E631921-F3B5-4070-9723-11C2AAA8CB7F}"/>
               </a:ext>
             </a:extLst>
           </p:cNvPr>
@@ -6208,53 +5647,18 @@
         </p:blipFill>
         <p:spPr>
           <a:xfrm>
-            <a:off x="6417546" y="4119716"/>
-            <a:ext cx="4936254" cy="2373157"/>
+            <a:off x="5686425" y="582215"/>
+            <a:ext cx="6324600" cy="5693568"/>
           </a:xfrm>
           <a:prstGeom prst="rect">
             <a:avLst/>
           </a:prstGeom>
         </p:spPr>
       </p:pic>
-      <p:sp>
-        <p:nvSpPr>
-          <p:cNvPr id="7" name="TextBox 6">
-            <a:extLst>
-              <a:ext uri="{FF2B5EF4-FFF2-40B4-BE49-F238E27FC236}">
-                <a16:creationId xmlns:a16="http://schemas.microsoft.com/office/drawing/2014/main" id="{188E958D-375A-40CE-8838-76E2FEF1068C}"/>
-              </a:ext>
-            </a:extLst>
-          </p:cNvPr>
-          <p:cNvSpPr txBox="1"/>
-          <p:nvPr/>
-        </p:nvSpPr>
-        <p:spPr>
-          <a:xfrm>
-            <a:off x="2300748" y="6211669"/>
-            <a:ext cx="2566219" cy="646331"/>
-          </a:xfrm>
-          <a:prstGeom prst="rect">
-            <a:avLst/>
-          </a:prstGeom>
-          <a:noFill/>
-        </p:spPr>
-        <p:txBody>
-          <a:bodyPr wrap="square" rtlCol="0">
-            <a:spAutoFit/>
-          </a:bodyPr>
-          <a:lstStyle/>
-          <a:p>
-            <a:r>
-              <a:rPr lang="en-IN" dirty="0"/>
-              <a:t>Source: Udemy-Lazy Programmer</a:t>
-            </a:r>
-          </a:p>
-        </p:txBody>
-      </p:sp>
     </p:spTree>
     <p:extLst>
       <p:ext uri="{BB962C8B-B14F-4D97-AF65-F5344CB8AC3E}">
-        <p14:creationId xmlns:p14="http://schemas.microsoft.com/office/powerpoint/2010/main" val="2817215453"/>
+        <p14:creationId xmlns:p14="http://schemas.microsoft.com/office/powerpoint/2010/main" val="408020113"/>
       </p:ext>
     </p:extLst>
   </p:cSld>
